--- a/BFA3_intro.pptx
+++ b/BFA3_intro.pptx
@@ -13,7 +13,8 @@
     <p:sldId id="261" r:id="rId7"/>
     <p:sldId id="262" r:id="rId8"/>
     <p:sldId id="263" r:id="rId9"/>
-    <p:sldId id="264" r:id="rId10"/>
+    <p:sldId id="265" r:id="rId10"/>
+    <p:sldId id="264" r:id="rId11"/>
   </p:sldIdLst>
   <p:sldSz cx="12192000" cy="6858000"/>
   <p:notesSz cx="6858000" cy="9144000"/>
@@ -3057,1115 +3058,7 @@
 </p:sld>
 </file>
 
-<file path=ppt/slides/slide2.xml><?xml version="1.0" encoding="utf-8"?>
-<p:sld xmlns:a="http://schemas.openxmlformats.org/drawingml/2006/main" xmlns:r="http://schemas.openxmlformats.org/officeDocument/2006/relationships" xmlns:p="http://schemas.openxmlformats.org/presentationml/2006/main">
-  <p:cSld>
-    <p:spTree>
-      <p:nvGrpSpPr>
-        <p:cNvPr id="1" name=""/>
-        <p:cNvGrpSpPr/>
-        <p:nvPr/>
-      </p:nvGrpSpPr>
-      <p:grpSpPr>
-        <a:xfrm>
-          <a:off x="0" y="0"/>
-          <a:ext cx="0" cy="0"/>
-          <a:chOff x="0" y="0"/>
-          <a:chExt cx="0" cy="0"/>
-        </a:xfrm>
-      </p:grpSpPr>
-      <p:sp>
-        <p:nvSpPr>
-          <p:cNvPr id="2" name="Titre 1"/>
-          <p:cNvSpPr>
-            <a:spLocks noGrp="1"/>
-          </p:cNvSpPr>
-          <p:nvPr>
-            <p:ph type="title"/>
-          </p:nvPr>
-        </p:nvSpPr>
-        <p:spPr/>
-        <p:txBody>
-          <a:bodyPr/>
-          <a:lstStyle/>
-          <a:p>
-            <a:r>
-              <a:rPr lang="fr-FR" dirty="0" smtClean="0"/>
-              <a:t>Outils</a:t>
-            </a:r>
-            <a:endParaRPr lang="fr-FR" dirty="0"/>
-          </a:p>
-        </p:txBody>
-      </p:sp>
-      <p:sp>
-        <p:nvSpPr>
-          <p:cNvPr id="3" name="Espace réservé du contenu 2"/>
-          <p:cNvSpPr>
-            <a:spLocks noGrp="1"/>
-          </p:cNvSpPr>
-          <p:nvPr>
-            <p:ph idx="1"/>
-          </p:nvPr>
-        </p:nvSpPr>
-        <p:spPr/>
-        <p:txBody>
-          <a:bodyPr/>
-          <a:lstStyle/>
-          <a:p>
-            <a:r>
-              <a:rPr lang="fr-FR" dirty="0" smtClean="0"/>
-              <a:t>Projet avec python:</a:t>
-            </a:r>
-          </a:p>
-          <a:p>
-            <a:pPr lvl="1"/>
-            <a:r>
-              <a:rPr lang="fr-FR" dirty="0" err="1" smtClean="0"/>
-              <a:t>Jupyter</a:t>
-            </a:r>
-            <a:r>
-              <a:rPr lang="fr-FR" dirty="0" smtClean="0"/>
-              <a:t> notebook</a:t>
-            </a:r>
-          </a:p>
-          <a:p>
-            <a:pPr lvl="1"/>
-            <a:r>
-              <a:rPr lang="fr-FR" dirty="0" smtClean="0"/>
-              <a:t>Libraire </a:t>
-            </a:r>
-            <a:r>
-              <a:rPr lang="fr-FR" b="1" dirty="0" err="1" smtClean="0"/>
-              <a:t>Numpy</a:t>
-            </a:r>
-            <a:r>
-              <a:rPr lang="fr-FR" dirty="0" smtClean="0"/>
-              <a:t> : </a:t>
-            </a:r>
-          </a:p>
-          <a:p>
-            <a:pPr lvl="2"/>
-            <a:r>
-              <a:rPr lang="fr-FR" dirty="0"/>
-              <a:t>Introduction to </a:t>
-            </a:r>
-            <a:r>
-              <a:rPr lang="fr-FR" dirty="0" err="1"/>
-              <a:t>Numerical</a:t>
-            </a:r>
-            <a:r>
-              <a:rPr lang="fr-FR" dirty="0"/>
-              <a:t> </a:t>
-            </a:r>
-            <a:r>
-              <a:rPr lang="fr-FR" dirty="0" err="1"/>
-              <a:t>Computing</a:t>
-            </a:r>
-            <a:r>
-              <a:rPr lang="fr-FR" dirty="0"/>
-              <a:t> </a:t>
-            </a:r>
-            <a:r>
-              <a:rPr lang="fr-FR" dirty="0" err="1"/>
-              <a:t>with</a:t>
-            </a:r>
-            <a:r>
-              <a:rPr lang="fr-FR" dirty="0"/>
-              <a:t> </a:t>
-            </a:r>
-            <a:r>
-              <a:rPr lang="fr-FR" dirty="0" err="1" smtClean="0"/>
-              <a:t>NumPy</a:t>
-            </a:r>
-            <a:r>
-              <a:rPr lang="fr-FR" dirty="0" smtClean="0"/>
-              <a:t> : </a:t>
-            </a:r>
-            <a:r>
-              <a:rPr lang="fr-FR" b="1" dirty="0" smtClean="0">
-                <a:hlinkClick r:id="rId2"/>
-              </a:rPr>
-              <a:t>https://youtu.be/lKcwuPnSHIQ</a:t>
-            </a:r>
-            <a:endParaRPr lang="fr-FR" b="1" dirty="0" smtClean="0"/>
-          </a:p>
-          <a:p>
-            <a:pPr lvl="2"/>
-            <a:r>
-              <a:rPr lang="fr-FR" b="1" dirty="0" smtClean="0">
-                <a:hlinkClick r:id="rId3"/>
-              </a:rPr>
-              <a:t>https://github.com/enthought/Numpy-Tutorial-SciPyConf-2017</a:t>
-            </a:r>
-            <a:endParaRPr lang="fr-FR" b="1" dirty="0" smtClean="0"/>
-          </a:p>
-          <a:p>
-            <a:pPr lvl="1"/>
-            <a:r>
-              <a:rPr lang="fr-FR" dirty="0" smtClean="0"/>
-              <a:t>Libraire </a:t>
-            </a:r>
-            <a:r>
-              <a:rPr lang="fr-FR" b="1" dirty="0" smtClean="0"/>
-              <a:t>Pandas</a:t>
-            </a:r>
-          </a:p>
-          <a:p>
-            <a:pPr lvl="2"/>
-            <a:r>
-              <a:rPr lang="fr-FR" dirty="0"/>
-              <a:t>Pandas for Data </a:t>
-            </a:r>
-            <a:r>
-              <a:rPr lang="fr-FR" dirty="0" err="1"/>
-              <a:t>Analysis</a:t>
-            </a:r>
-            <a:r>
-              <a:rPr lang="fr-FR" dirty="0"/>
-              <a:t> </a:t>
-            </a:r>
-            <a:r>
-              <a:rPr lang="fr-FR" dirty="0" smtClean="0"/>
-              <a:t>: </a:t>
-            </a:r>
-            <a:r>
-              <a:rPr lang="fr-FR" b="1" dirty="0" smtClean="0">
-                <a:hlinkClick r:id="rId4"/>
-              </a:rPr>
-              <a:t>https://</a:t>
-            </a:r>
-            <a:r>
-              <a:rPr lang="fr-FR" b="1" dirty="0" smtClean="0">
-                <a:hlinkClick r:id="rId4"/>
-              </a:rPr>
-              <a:t>youtu.be/oGzU688xCUs</a:t>
-            </a:r>
-            <a:endParaRPr lang="fr-FR" b="1" dirty="0" smtClean="0"/>
-          </a:p>
-          <a:p>
-            <a:pPr lvl="2"/>
-            <a:r>
-              <a:rPr lang="fr-FR" b="1" dirty="0">
-                <a:hlinkClick r:id="rId5"/>
-              </a:rPr>
-              <a:t>https://pandas.pydata.org/pandas-docs/stable</a:t>
-            </a:r>
-            <a:r>
-              <a:rPr lang="fr-FR" b="1" dirty="0" smtClean="0">
-                <a:hlinkClick r:id="rId5"/>
-              </a:rPr>
-              <a:t>/</a:t>
-            </a:r>
-            <a:endParaRPr lang="fr-FR" b="1" dirty="0" smtClean="0"/>
-          </a:p>
-          <a:p>
-            <a:pPr lvl="2"/>
-            <a:r>
-              <a:rPr lang="fr-FR" b="1" dirty="0" smtClean="0">
-                <a:hlinkClick r:id="rId6"/>
-              </a:rPr>
-              <a:t>https://github.com/chendaniely/scipy-2017-tutorial-pandas</a:t>
-            </a:r>
-            <a:endParaRPr lang="fr-FR" b="1" dirty="0" smtClean="0"/>
-          </a:p>
-        </p:txBody>
-      </p:sp>
-      <p:pic>
-        <p:nvPicPr>
-          <p:cNvPr id="5" name="Image 4"/>
-          <p:cNvPicPr>
-            <a:picLocks noChangeAspect="1"/>
-          </p:cNvPicPr>
-          <p:nvPr/>
-        </p:nvPicPr>
-        <p:blipFill>
-          <a:blip r:embed="rId7"/>
-          <a:stretch>
-            <a:fillRect/>
-          </a:stretch>
-        </p:blipFill>
-        <p:spPr>
-          <a:xfrm>
-            <a:off x="8444510" y="4140415"/>
-            <a:ext cx="3837034" cy="2717585"/>
-          </a:xfrm>
-          <a:prstGeom prst="rect">
-            <a:avLst/>
-          </a:prstGeom>
-        </p:spPr>
-      </p:pic>
-      <p:pic>
-        <p:nvPicPr>
-          <p:cNvPr id="4" name="Image 3"/>
-          <p:cNvPicPr>
-            <a:picLocks noChangeAspect="1"/>
-          </p:cNvPicPr>
-          <p:nvPr/>
-        </p:nvPicPr>
-        <p:blipFill>
-          <a:blip r:embed="rId8"/>
-          <a:stretch>
-            <a:fillRect/>
-          </a:stretch>
-        </p:blipFill>
-        <p:spPr>
-          <a:xfrm>
-            <a:off x="10256108" y="0"/>
-            <a:ext cx="1935892" cy="2538170"/>
-          </a:xfrm>
-          <a:prstGeom prst="rect">
-            <a:avLst/>
-          </a:prstGeom>
-        </p:spPr>
-      </p:pic>
-    </p:spTree>
-    <p:extLst>
-      <p:ext uri="{BB962C8B-B14F-4D97-AF65-F5344CB8AC3E}">
-        <p14:creationId xmlns:p14="http://schemas.microsoft.com/office/powerpoint/2010/main" val="1897927870"/>
-      </p:ext>
-    </p:extLst>
-  </p:cSld>
-  <p:clrMapOvr>
-    <a:masterClrMapping/>
-  </p:clrMapOvr>
-  <p:timing>
-    <p:tnLst>
-      <p:par>
-        <p:cTn id="1" dur="indefinite" restart="never" nodeType="tmRoot"/>
-      </p:par>
-    </p:tnLst>
-  </p:timing>
-</p:sld>
-</file>
-
-<file path=ppt/slides/slide3.xml><?xml version="1.0" encoding="utf-8"?>
-<p:sld xmlns:a="http://schemas.openxmlformats.org/drawingml/2006/main" xmlns:r="http://schemas.openxmlformats.org/officeDocument/2006/relationships" xmlns:p="http://schemas.openxmlformats.org/presentationml/2006/main">
-  <p:cSld>
-    <p:spTree>
-      <p:nvGrpSpPr>
-        <p:cNvPr id="1" name=""/>
-        <p:cNvGrpSpPr/>
-        <p:nvPr/>
-      </p:nvGrpSpPr>
-      <p:grpSpPr>
-        <a:xfrm>
-          <a:off x="0" y="0"/>
-          <a:ext cx="0" cy="0"/>
-          <a:chOff x="0" y="0"/>
-          <a:chExt cx="0" cy="0"/>
-        </a:xfrm>
-      </p:grpSpPr>
-      <p:sp>
-        <p:nvSpPr>
-          <p:cNvPr id="2" name="Titre 1"/>
-          <p:cNvSpPr>
-            <a:spLocks noGrp="1"/>
-          </p:cNvSpPr>
-          <p:nvPr>
-            <p:ph type="title"/>
-          </p:nvPr>
-        </p:nvSpPr>
-        <p:spPr/>
-        <p:txBody>
-          <a:bodyPr/>
-          <a:lstStyle/>
-          <a:p>
-            <a:r>
-              <a:rPr lang="fr-FR" dirty="0" smtClean="0"/>
-              <a:t>Accès aux données financières </a:t>
-            </a:r>
-            <a:endParaRPr lang="fr-FR" dirty="0"/>
-          </a:p>
-        </p:txBody>
-      </p:sp>
-      <p:pic>
-        <p:nvPicPr>
-          <p:cNvPr id="4" name="Espace réservé du contenu 3"/>
-          <p:cNvPicPr>
-            <a:picLocks noGrp="1" noChangeAspect="1"/>
-          </p:cNvPicPr>
-          <p:nvPr>
-            <p:ph idx="1"/>
-          </p:nvPr>
-        </p:nvPicPr>
-        <p:blipFill>
-          <a:blip r:embed="rId2">
-            <a:extLst>
-              <a:ext uri="{28A0092B-C50C-407E-A947-70E740481C1C}">
-                <a14:useLocalDpi xmlns:a14="http://schemas.microsoft.com/office/drawing/2010/main" val="0"/>
-              </a:ext>
-            </a:extLst>
-          </a:blip>
-          <a:stretch>
-            <a:fillRect/>
-          </a:stretch>
-        </p:blipFill>
-        <p:spPr>
-          <a:xfrm>
-            <a:off x="1450143" y="1916013"/>
-            <a:ext cx="9569151" cy="4941987"/>
-          </a:xfrm>
-        </p:spPr>
-      </p:pic>
-    </p:spTree>
-    <p:extLst>
-      <p:ext uri="{BB962C8B-B14F-4D97-AF65-F5344CB8AC3E}">
-        <p14:creationId xmlns:p14="http://schemas.microsoft.com/office/powerpoint/2010/main" val="1478597455"/>
-      </p:ext>
-    </p:extLst>
-  </p:cSld>
-  <p:clrMapOvr>
-    <a:masterClrMapping/>
-  </p:clrMapOvr>
-  <p:timing>
-    <p:tnLst>
-      <p:par>
-        <p:cTn id="1" dur="indefinite" restart="never" nodeType="tmRoot"/>
-      </p:par>
-    </p:tnLst>
-  </p:timing>
-</p:sld>
-</file>
-
-<file path=ppt/slides/slide4.xml><?xml version="1.0" encoding="utf-8"?>
-<p:sld xmlns:a="http://schemas.openxmlformats.org/drawingml/2006/main" xmlns:r="http://schemas.openxmlformats.org/officeDocument/2006/relationships" xmlns:p="http://schemas.openxmlformats.org/presentationml/2006/main">
-  <p:cSld>
-    <p:spTree>
-      <p:nvGrpSpPr>
-        <p:cNvPr id="1" name=""/>
-        <p:cNvGrpSpPr/>
-        <p:nvPr/>
-      </p:nvGrpSpPr>
-      <p:grpSpPr>
-        <a:xfrm>
-          <a:off x="0" y="0"/>
-          <a:ext cx="0" cy="0"/>
-          <a:chOff x="0" y="0"/>
-          <a:chExt cx="0" cy="0"/>
-        </a:xfrm>
-      </p:grpSpPr>
-      <p:sp>
-        <p:nvSpPr>
-          <p:cNvPr id="2" name="Titre 1"/>
-          <p:cNvSpPr>
-            <a:spLocks noGrp="1"/>
-          </p:cNvSpPr>
-          <p:nvPr>
-            <p:ph type="title"/>
-          </p:nvPr>
-        </p:nvSpPr>
-        <p:spPr/>
-        <p:txBody>
-          <a:bodyPr/>
-          <a:lstStyle/>
-          <a:p>
-            <a:r>
-              <a:rPr lang="fr-FR" dirty="0" smtClean="0"/>
-              <a:t>Accès </a:t>
-            </a:r>
-            <a:r>
-              <a:rPr lang="fr-FR" dirty="0"/>
-              <a:t>aux données financières </a:t>
-            </a:r>
-            <a:endParaRPr lang="fr-FR" dirty="0"/>
-          </a:p>
-        </p:txBody>
-      </p:sp>
-      <p:pic>
-        <p:nvPicPr>
-          <p:cNvPr id="4" name="Espace réservé du contenu 3"/>
-          <p:cNvPicPr>
-            <a:picLocks noGrp="1" noChangeAspect="1"/>
-          </p:cNvPicPr>
-          <p:nvPr>
-            <p:ph idx="1"/>
-          </p:nvPr>
-        </p:nvPicPr>
-        <p:blipFill>
-          <a:blip r:embed="rId2">
-            <a:extLst>
-              <a:ext uri="{28A0092B-C50C-407E-A947-70E740481C1C}">
-                <a14:useLocalDpi xmlns:a14="http://schemas.microsoft.com/office/drawing/2010/main" val="0"/>
-              </a:ext>
-            </a:extLst>
-          </a:blip>
-          <a:stretch>
-            <a:fillRect/>
-          </a:stretch>
-        </p:blipFill>
-        <p:spPr>
-          <a:xfrm>
-            <a:off x="2082048" y="1825625"/>
-            <a:ext cx="8027903" cy="4351338"/>
-          </a:xfrm>
-        </p:spPr>
-      </p:pic>
-    </p:spTree>
-    <p:extLst>
-      <p:ext uri="{BB962C8B-B14F-4D97-AF65-F5344CB8AC3E}">
-        <p14:creationId xmlns:p14="http://schemas.microsoft.com/office/powerpoint/2010/main" val="1755094576"/>
-      </p:ext>
-    </p:extLst>
-  </p:cSld>
-  <p:clrMapOvr>
-    <a:masterClrMapping/>
-  </p:clrMapOvr>
-  <p:timing>
-    <p:tnLst>
-      <p:par>
-        <p:cTn id="1" dur="indefinite" restart="never" nodeType="tmRoot"/>
-      </p:par>
-    </p:tnLst>
-  </p:timing>
-</p:sld>
-</file>
-
-<file path=ppt/slides/slide5.xml><?xml version="1.0" encoding="utf-8"?>
-<p:sld xmlns:a="http://schemas.openxmlformats.org/drawingml/2006/main" xmlns:r="http://schemas.openxmlformats.org/officeDocument/2006/relationships" xmlns:p="http://schemas.openxmlformats.org/presentationml/2006/main">
-  <p:cSld>
-    <p:spTree>
-      <p:nvGrpSpPr>
-        <p:cNvPr id="1" name=""/>
-        <p:cNvGrpSpPr/>
-        <p:nvPr/>
-      </p:nvGrpSpPr>
-      <p:grpSpPr>
-        <a:xfrm>
-          <a:off x="0" y="0"/>
-          <a:ext cx="0" cy="0"/>
-          <a:chOff x="0" y="0"/>
-          <a:chExt cx="0" cy="0"/>
-        </a:xfrm>
-      </p:grpSpPr>
-      <p:sp>
-        <p:nvSpPr>
-          <p:cNvPr id="2" name="Titre 1"/>
-          <p:cNvSpPr>
-            <a:spLocks noGrp="1"/>
-          </p:cNvSpPr>
-          <p:nvPr>
-            <p:ph type="title"/>
-          </p:nvPr>
-        </p:nvSpPr>
-        <p:spPr/>
-        <p:txBody>
-          <a:bodyPr/>
-          <a:lstStyle/>
-          <a:p>
-            <a:r>
-              <a:rPr lang="fr-FR" dirty="0" smtClean="0"/>
-              <a:t>1- Création de procédures pour la simulation de portfolio</a:t>
-            </a:r>
-            <a:endParaRPr lang="fr-FR" dirty="0"/>
-          </a:p>
-        </p:txBody>
-      </p:sp>
-      <p:sp>
-        <p:nvSpPr>
-          <p:cNvPr id="3" name="Espace réservé du contenu 2"/>
-          <p:cNvSpPr>
-            <a:spLocks noGrp="1"/>
-          </p:cNvSpPr>
-          <p:nvPr>
-            <p:ph idx="1"/>
-          </p:nvPr>
-        </p:nvSpPr>
-        <p:spPr/>
-        <p:txBody>
-          <a:bodyPr/>
-          <a:lstStyle/>
-          <a:p>
-            <a:r>
-              <a:rPr lang="fr-FR" dirty="0" smtClean="0"/>
-              <a:t>Input</a:t>
-            </a:r>
-          </a:p>
-          <a:p>
-            <a:pPr lvl="1"/>
-            <a:r>
-              <a:rPr lang="fr-FR" dirty="0" smtClean="0"/>
-              <a:t>Période considéré</a:t>
-            </a:r>
-          </a:p>
-          <a:p>
-            <a:pPr lvl="1"/>
-            <a:r>
-              <a:rPr lang="fr-FR" dirty="0" smtClean="0"/>
-              <a:t>Liste d’ordres d’achat</a:t>
-            </a:r>
-          </a:p>
-          <a:p>
-            <a:pPr lvl="1"/>
-            <a:r>
-              <a:rPr lang="fr-FR" dirty="0" smtClean="0"/>
-              <a:t>Capital initiale</a:t>
-            </a:r>
-          </a:p>
-          <a:p>
-            <a:r>
-              <a:rPr lang="fr-FR" dirty="0" smtClean="0"/>
-              <a:t>Output</a:t>
-            </a:r>
-          </a:p>
-          <a:p>
-            <a:pPr lvl="1"/>
-            <a:r>
-              <a:rPr lang="fr-FR" dirty="0" smtClean="0"/>
-              <a:t>Evolution du capitale</a:t>
-            </a:r>
-          </a:p>
-          <a:p>
-            <a:pPr lvl="1"/>
-            <a:r>
-              <a:rPr lang="fr-FR" dirty="0" smtClean="0"/>
-              <a:t>Evolution de la valeur du portfolio</a:t>
-            </a:r>
-          </a:p>
-        </p:txBody>
-      </p:sp>
-    </p:spTree>
-    <p:extLst>
-      <p:ext uri="{BB962C8B-B14F-4D97-AF65-F5344CB8AC3E}">
-        <p14:creationId xmlns:p14="http://schemas.microsoft.com/office/powerpoint/2010/main" val="1233805520"/>
-      </p:ext>
-    </p:extLst>
-  </p:cSld>
-  <p:clrMapOvr>
-    <a:masterClrMapping/>
-  </p:clrMapOvr>
-  <p:timing>
-    <p:tnLst>
-      <p:par>
-        <p:cTn id="1" dur="indefinite" restart="never" nodeType="tmRoot"/>
-      </p:par>
-    </p:tnLst>
-  </p:timing>
-</p:sld>
-</file>
-
-<file path=ppt/slides/slide6.xml><?xml version="1.0" encoding="utf-8"?>
-<p:sld xmlns:a="http://schemas.openxmlformats.org/drawingml/2006/main" xmlns:r="http://schemas.openxmlformats.org/officeDocument/2006/relationships" xmlns:p="http://schemas.openxmlformats.org/presentationml/2006/main">
-  <p:cSld>
-    <p:spTree>
-      <p:nvGrpSpPr>
-        <p:cNvPr id="1" name=""/>
-        <p:cNvGrpSpPr/>
-        <p:nvPr/>
-      </p:nvGrpSpPr>
-      <p:grpSpPr>
-        <a:xfrm>
-          <a:off x="0" y="0"/>
-          <a:ext cx="0" cy="0"/>
-          <a:chOff x="0" y="0"/>
-          <a:chExt cx="0" cy="0"/>
-        </a:xfrm>
-      </p:grpSpPr>
-      <p:sp>
-        <p:nvSpPr>
-          <p:cNvPr id="2" name="Titre 1"/>
-          <p:cNvSpPr>
-            <a:spLocks noGrp="1"/>
-          </p:cNvSpPr>
-          <p:nvPr>
-            <p:ph type="title"/>
-          </p:nvPr>
-        </p:nvSpPr>
-        <p:spPr/>
-        <p:txBody>
-          <a:bodyPr/>
-          <a:lstStyle/>
-          <a:p>
-            <a:r>
-              <a:rPr lang="fr-FR" dirty="0" smtClean="0"/>
-              <a:t>2 - </a:t>
-            </a:r>
-            <a:r>
-              <a:rPr lang="fr-FR" dirty="0"/>
-              <a:t>Création de </a:t>
-            </a:r>
-            <a:r>
-              <a:rPr lang="fr-FR" dirty="0" smtClean="0"/>
-              <a:t>procédures pour le calcule d’indices boursier</a:t>
-            </a:r>
-            <a:endParaRPr lang="fr-FR" dirty="0"/>
-          </a:p>
-        </p:txBody>
-      </p:sp>
-      <p:sp>
-        <p:nvSpPr>
-          <p:cNvPr id="3" name="Espace réservé du contenu 2"/>
-          <p:cNvSpPr>
-            <a:spLocks noGrp="1"/>
-          </p:cNvSpPr>
-          <p:nvPr>
-            <p:ph idx="1"/>
-          </p:nvPr>
-        </p:nvSpPr>
-        <p:spPr/>
-        <p:txBody>
-          <a:bodyPr>
-            <a:normAutofit lnSpcReduction="10000"/>
-          </a:bodyPr>
-          <a:lstStyle/>
-          <a:p>
-            <a:r>
-              <a:rPr lang="fr-FR" dirty="0"/>
-              <a:t>http://</a:t>
-            </a:r>
-            <a:r>
-              <a:rPr lang="fr-FR" dirty="0" err="1"/>
-              <a:t>gouthamanbalaraman.com</a:t>
-            </a:r>
-            <a:r>
-              <a:rPr lang="fr-FR" dirty="0"/>
-              <a:t>/blog/</a:t>
-            </a:r>
-            <a:r>
-              <a:rPr lang="fr-FR" dirty="0" err="1"/>
-              <a:t>calculating</a:t>
-            </a:r>
-            <a:r>
-              <a:rPr lang="fr-FR" dirty="0"/>
-              <a:t>-</a:t>
-            </a:r>
-            <a:r>
-              <a:rPr lang="fr-FR" dirty="0" err="1"/>
-              <a:t>stock-beta.html</a:t>
-            </a:r>
-            <a:endParaRPr lang="fr-FR" dirty="0"/>
-          </a:p>
-          <a:p>
-            <a:r>
-              <a:rPr lang="fr-FR" dirty="0" smtClean="0"/>
-              <a:t>Input</a:t>
-            </a:r>
-          </a:p>
-          <a:p>
-            <a:pPr lvl="1"/>
-            <a:r>
-              <a:rPr lang="fr-FR" dirty="0" err="1" smtClean="0"/>
-              <a:t>Ticker</a:t>
-            </a:r>
-            <a:endParaRPr lang="fr-FR" dirty="0" smtClean="0"/>
-          </a:p>
-          <a:p>
-            <a:pPr lvl="1"/>
-            <a:r>
-              <a:rPr lang="fr-FR" dirty="0" smtClean="0"/>
-              <a:t>Période considéré</a:t>
-            </a:r>
-          </a:p>
-          <a:p>
-            <a:r>
-              <a:rPr lang="fr-FR" dirty="0" smtClean="0"/>
-              <a:t>Output</a:t>
-            </a:r>
-          </a:p>
-          <a:p>
-            <a:pPr lvl="1"/>
-            <a:r>
-              <a:rPr lang="fr-FR" dirty="0" err="1" smtClean="0"/>
-              <a:t>Momentum</a:t>
-            </a:r>
-            <a:endParaRPr lang="fr-FR" dirty="0" smtClean="0"/>
-          </a:p>
-          <a:p>
-            <a:pPr lvl="1"/>
-            <a:r>
-              <a:rPr lang="fr-FR" dirty="0" smtClean="0"/>
-              <a:t>Alpha</a:t>
-            </a:r>
-          </a:p>
-          <a:p>
-            <a:pPr lvl="1"/>
-            <a:r>
-              <a:rPr lang="fr-FR" dirty="0" smtClean="0"/>
-              <a:t>Beta</a:t>
-            </a:r>
-          </a:p>
-          <a:p>
-            <a:pPr lvl="1"/>
-            <a:r>
-              <a:rPr lang="fr-FR" dirty="0"/>
-              <a:t>Sharpe </a:t>
-            </a:r>
-            <a:r>
-              <a:rPr lang="fr-FR" dirty="0" smtClean="0"/>
-              <a:t>Ratio</a:t>
-            </a:r>
-          </a:p>
-          <a:p>
-            <a:pPr lvl="1"/>
-            <a:r>
-              <a:rPr lang="fr-FR" dirty="0"/>
-              <a:t>Information Ratio</a:t>
-            </a:r>
-            <a:endParaRPr lang="fr-FR" dirty="0" smtClean="0"/>
-          </a:p>
-          <a:p>
-            <a:pPr lvl="1"/>
-            <a:r>
-              <a:rPr lang="fr-FR" dirty="0" smtClean="0"/>
-              <a:t>Return</a:t>
-            </a:r>
-            <a:endParaRPr lang="fr-FR" dirty="0"/>
-          </a:p>
-        </p:txBody>
-      </p:sp>
-    </p:spTree>
-    <p:extLst>
-      <p:ext uri="{BB962C8B-B14F-4D97-AF65-F5344CB8AC3E}">
-        <p14:creationId xmlns:p14="http://schemas.microsoft.com/office/powerpoint/2010/main" val="1526823771"/>
-      </p:ext>
-    </p:extLst>
-  </p:cSld>
-  <p:clrMapOvr>
-    <a:masterClrMapping/>
-  </p:clrMapOvr>
-  <p:timing>
-    <p:tnLst>
-      <p:par>
-        <p:cTn id="1" dur="indefinite" restart="never" nodeType="tmRoot"/>
-      </p:par>
-    </p:tnLst>
-  </p:timing>
-</p:sld>
-</file>
-
-<file path=ppt/slides/slide7.xml><?xml version="1.0" encoding="utf-8"?>
-<p:sld xmlns:a="http://schemas.openxmlformats.org/drawingml/2006/main" xmlns:r="http://schemas.openxmlformats.org/officeDocument/2006/relationships" xmlns:p="http://schemas.openxmlformats.org/presentationml/2006/main">
-  <p:cSld>
-    <p:spTree>
-      <p:nvGrpSpPr>
-        <p:cNvPr id="1" name=""/>
-        <p:cNvGrpSpPr/>
-        <p:nvPr/>
-      </p:nvGrpSpPr>
-      <p:grpSpPr>
-        <a:xfrm>
-          <a:off x="0" y="0"/>
-          <a:ext cx="0" cy="0"/>
-          <a:chOff x="0" y="0"/>
-          <a:chExt cx="0" cy="0"/>
-        </a:xfrm>
-      </p:grpSpPr>
-      <p:sp>
-        <p:nvSpPr>
-          <p:cNvPr id="2" name="Titre 1"/>
-          <p:cNvSpPr>
-            <a:spLocks noGrp="1"/>
-          </p:cNvSpPr>
-          <p:nvPr>
-            <p:ph type="title"/>
-          </p:nvPr>
-        </p:nvSpPr>
-        <p:spPr/>
-        <p:txBody>
-          <a:bodyPr/>
-          <a:lstStyle/>
-          <a:p>
-            <a:r>
-              <a:rPr lang="fr-FR" dirty="0" smtClean="0"/>
-              <a:t>3 - </a:t>
-            </a:r>
-            <a:r>
-              <a:rPr lang="fr-FR" dirty="0"/>
-              <a:t>Création de </a:t>
-            </a:r>
-            <a:r>
-              <a:rPr lang="fr-FR" dirty="0" smtClean="0"/>
-              <a:t>procédures de génération automatique d’ordres d’achats </a:t>
-            </a:r>
-            <a:endParaRPr lang="fr-FR" dirty="0"/>
-          </a:p>
-        </p:txBody>
-      </p:sp>
-      <p:sp>
-        <p:nvSpPr>
-          <p:cNvPr id="3" name="Espace réservé du contenu 2"/>
-          <p:cNvSpPr>
-            <a:spLocks noGrp="1"/>
-          </p:cNvSpPr>
-          <p:nvPr>
-            <p:ph idx="1"/>
-          </p:nvPr>
-        </p:nvSpPr>
-        <p:spPr/>
-        <p:txBody>
-          <a:bodyPr/>
-          <a:lstStyle/>
-          <a:p>
-            <a:r>
-              <a:rPr lang="fr-FR" dirty="0" smtClean="0"/>
-              <a:t>Basé sur les </a:t>
-            </a:r>
-            <a:r>
-              <a:rPr lang="fr-FR" u="sng" dirty="0">
-                <a:hlinkClick r:id="rId2"/>
-              </a:rPr>
-              <a:t>Bandes de </a:t>
-            </a:r>
-            <a:r>
-              <a:rPr lang="fr-FR" u="sng" dirty="0" smtClean="0">
-                <a:hlinkClick r:id="rId2"/>
-              </a:rPr>
-              <a:t>Bollinger</a:t>
-            </a:r>
-            <a:r>
-              <a:rPr lang="fr-FR" u="sng" dirty="0" smtClean="0"/>
-              <a:t>:</a:t>
-            </a:r>
-          </a:p>
-          <a:p>
-            <a:pPr lvl="1"/>
-            <a:r>
-              <a:rPr lang="fr-FR" dirty="0" smtClean="0"/>
-              <a:t>Créer des ordres d’achats</a:t>
-            </a:r>
-          </a:p>
-          <a:p>
-            <a:pPr lvl="1"/>
-            <a:r>
-              <a:rPr lang="fr-FR" dirty="0" smtClean="0"/>
-              <a:t>Simuler les résultats avec les procédures définis précédemment </a:t>
-            </a:r>
-            <a:endParaRPr lang="fr-FR" dirty="0"/>
-          </a:p>
-          <a:p>
-            <a:r>
-              <a:rPr lang="fr-FR" dirty="0" smtClean="0"/>
-              <a:t>Inputs:</a:t>
-            </a:r>
-          </a:p>
-          <a:p>
-            <a:pPr lvl="1"/>
-            <a:r>
-              <a:rPr lang="fr-FR" dirty="0" smtClean="0"/>
-              <a:t>Liste des actions considérées</a:t>
-            </a:r>
-          </a:p>
-          <a:p>
-            <a:pPr lvl="1"/>
-            <a:r>
-              <a:rPr lang="fr-FR" dirty="0" smtClean="0"/>
-              <a:t>Période considéré </a:t>
-            </a:r>
-          </a:p>
-          <a:p>
-            <a:r>
-              <a:rPr lang="fr-FR" dirty="0" smtClean="0"/>
-              <a:t>Outputs: </a:t>
-            </a:r>
-          </a:p>
-          <a:p>
-            <a:pPr lvl="1"/>
-            <a:r>
-              <a:rPr lang="fr-FR" dirty="0" smtClean="0"/>
-              <a:t>ordres d’achats</a:t>
-            </a:r>
-          </a:p>
-          <a:p>
-            <a:pPr lvl="2"/>
-            <a:r>
-              <a:rPr lang="fr-FR" dirty="0" err="1" smtClean="0"/>
-              <a:t>Ticker</a:t>
-            </a:r>
-            <a:r>
-              <a:rPr lang="fr-FR" dirty="0" smtClean="0"/>
-              <a:t>, date, volume, (</a:t>
-            </a:r>
-            <a:r>
-              <a:rPr lang="fr-FR" dirty="0" err="1" smtClean="0"/>
-              <a:t>Buy</a:t>
-            </a:r>
-            <a:r>
-              <a:rPr lang="fr-FR" dirty="0" smtClean="0"/>
-              <a:t>, </a:t>
-            </a:r>
-            <a:r>
-              <a:rPr lang="fr-FR" dirty="0" err="1" smtClean="0"/>
-              <a:t>Sell</a:t>
-            </a:r>
-            <a:r>
-              <a:rPr lang="fr-FR" dirty="0" smtClean="0"/>
-              <a:t>, Short)</a:t>
-            </a:r>
-            <a:endParaRPr lang="fr-FR" dirty="0"/>
-          </a:p>
-        </p:txBody>
-      </p:sp>
-    </p:spTree>
-    <p:extLst>
-      <p:ext uri="{BB962C8B-B14F-4D97-AF65-F5344CB8AC3E}">
-        <p14:creationId xmlns:p14="http://schemas.microsoft.com/office/powerpoint/2010/main" val="429143056"/>
-      </p:ext>
-    </p:extLst>
-  </p:cSld>
-  <p:clrMapOvr>
-    <a:masterClrMapping/>
-  </p:clrMapOvr>
-</p:sld>
-</file>
-
-<file path=ppt/slides/slide8.xml><?xml version="1.0" encoding="utf-8"?>
-<p:sld xmlns:a="http://schemas.openxmlformats.org/drawingml/2006/main" xmlns:r="http://schemas.openxmlformats.org/officeDocument/2006/relationships" xmlns:p="http://schemas.openxmlformats.org/presentationml/2006/main">
-  <p:cSld>
-    <p:spTree>
-      <p:nvGrpSpPr>
-        <p:cNvPr id="1" name=""/>
-        <p:cNvGrpSpPr/>
-        <p:nvPr/>
-      </p:nvGrpSpPr>
-      <p:grpSpPr>
-        <a:xfrm>
-          <a:off x="0" y="0"/>
-          <a:ext cx="0" cy="0"/>
-          <a:chOff x="0" y="0"/>
-          <a:chExt cx="0" cy="0"/>
-        </a:xfrm>
-      </p:grpSpPr>
-      <p:sp>
-        <p:nvSpPr>
-          <p:cNvPr id="2" name="Titre 1"/>
-          <p:cNvSpPr>
-            <a:spLocks noGrp="1"/>
-          </p:cNvSpPr>
-          <p:nvPr>
-            <p:ph type="title"/>
-          </p:nvPr>
-        </p:nvSpPr>
-        <p:spPr/>
-        <p:txBody>
-          <a:bodyPr/>
-          <a:lstStyle/>
-          <a:p>
-            <a:r>
-              <a:rPr lang="fr-FR" dirty="0" smtClean="0"/>
-              <a:t>4 </a:t>
-            </a:r>
-            <a:r>
-              <a:rPr lang="fr-FR" dirty="0"/>
-              <a:t>- Création de procédures de génération automatique d’ordres d’achats </a:t>
-            </a:r>
-          </a:p>
-        </p:txBody>
-      </p:sp>
-      <p:sp>
-        <p:nvSpPr>
-          <p:cNvPr id="3" name="Espace réservé du contenu 2"/>
-          <p:cNvSpPr>
-            <a:spLocks noGrp="1"/>
-          </p:cNvSpPr>
-          <p:nvPr>
-            <p:ph idx="1"/>
-          </p:nvPr>
-        </p:nvSpPr>
-        <p:spPr/>
-        <p:txBody>
-          <a:bodyPr/>
-          <a:lstStyle/>
-          <a:p>
-            <a:r>
-              <a:rPr lang="fr-FR" dirty="0" smtClean="0"/>
-              <a:t>Basé sur un historique d’événements créer des ordres d’achats</a:t>
-            </a:r>
-          </a:p>
-          <a:p>
-            <a:pPr lvl="1"/>
-            <a:r>
-              <a:rPr lang="fr-FR" dirty="0" smtClean="0"/>
-              <a:t>Exemple: baisse de 2% en une journée</a:t>
-            </a:r>
-          </a:p>
-          <a:p>
-            <a:pPr lvl="1"/>
-            <a:r>
-              <a:rPr lang="fr-FR" dirty="0" smtClean="0"/>
-              <a:t>Simuler le résultat </a:t>
-            </a:r>
-          </a:p>
-          <a:p>
-            <a:r>
-              <a:rPr lang="fr-FR" dirty="0" smtClean="0"/>
-              <a:t>Inputs:</a:t>
-            </a:r>
-          </a:p>
-          <a:p>
-            <a:pPr lvl="1"/>
-            <a:r>
-              <a:rPr lang="fr-FR" dirty="0" smtClean="0"/>
-              <a:t>Période considéré </a:t>
-            </a:r>
-          </a:p>
-          <a:p>
-            <a:pPr lvl="1"/>
-            <a:r>
-              <a:rPr lang="fr-FR" dirty="0" err="1" smtClean="0"/>
-              <a:t>Ticker</a:t>
-            </a:r>
-            <a:endParaRPr lang="fr-FR" dirty="0" smtClean="0"/>
-          </a:p>
-          <a:p>
-            <a:r>
-              <a:rPr lang="fr-FR" dirty="0" smtClean="0"/>
-              <a:t>Outputs:</a:t>
-            </a:r>
-          </a:p>
-          <a:p>
-            <a:pPr lvl="1"/>
-            <a:r>
-              <a:rPr lang="fr-FR" dirty="0" smtClean="0"/>
-              <a:t>Ordres d’achats</a:t>
-            </a:r>
-          </a:p>
-          <a:p>
-            <a:pPr lvl="2"/>
-            <a:r>
-              <a:rPr lang="fr-FR" dirty="0" err="1"/>
-              <a:t>Ticker</a:t>
-            </a:r>
-            <a:r>
-              <a:rPr lang="fr-FR" dirty="0"/>
-              <a:t>, date, volume, (</a:t>
-            </a:r>
-            <a:r>
-              <a:rPr lang="fr-FR" dirty="0" err="1"/>
-              <a:t>Buy</a:t>
-            </a:r>
-            <a:r>
-              <a:rPr lang="fr-FR" dirty="0"/>
-              <a:t>, </a:t>
-            </a:r>
-            <a:r>
-              <a:rPr lang="fr-FR" dirty="0" err="1"/>
-              <a:t>Sell</a:t>
-            </a:r>
-            <a:r>
-              <a:rPr lang="fr-FR" dirty="0"/>
-              <a:t>, Short</a:t>
-            </a:r>
-            <a:r>
-              <a:rPr lang="fr-FR" dirty="0" smtClean="0"/>
-              <a:t>)</a:t>
-            </a:r>
-            <a:endParaRPr lang="fr-FR" dirty="0"/>
-          </a:p>
-        </p:txBody>
-      </p:sp>
-    </p:spTree>
-    <p:extLst>
-      <p:ext uri="{BB962C8B-B14F-4D97-AF65-F5344CB8AC3E}">
-        <p14:creationId xmlns:p14="http://schemas.microsoft.com/office/powerpoint/2010/main" val="675411220"/>
-      </p:ext>
-    </p:extLst>
-  </p:cSld>
-  <p:clrMapOvr>
-    <a:masterClrMapping/>
-  </p:clrMapOvr>
-</p:sld>
-</file>
-
-<file path=ppt/slides/slide9.xml><?xml version="1.0" encoding="utf-8"?>
+<file path=ppt/slides/slide10.xml><?xml version="1.0" encoding="utf-8"?>
 <p:sld xmlns:a="http://schemas.openxmlformats.org/drawingml/2006/main" xmlns:r="http://schemas.openxmlformats.org/officeDocument/2006/relationships" xmlns:p="http://schemas.openxmlformats.org/presentationml/2006/main">
   <p:cSld>
     <p:spTree>
@@ -4475,6 +3368,1295 @@
   <p:clrMapOvr>
     <a:masterClrMapping/>
   </p:clrMapOvr>
+  <p:timing>
+    <p:tnLst>
+      <p:par>
+        <p:cTn id="1" dur="indefinite" restart="never" nodeType="tmRoot"/>
+      </p:par>
+    </p:tnLst>
+  </p:timing>
+</p:sld>
+</file>
+
+<file path=ppt/slides/slide2.xml><?xml version="1.0" encoding="utf-8"?>
+<p:sld xmlns:a="http://schemas.openxmlformats.org/drawingml/2006/main" xmlns:r="http://schemas.openxmlformats.org/officeDocument/2006/relationships" xmlns:p="http://schemas.openxmlformats.org/presentationml/2006/main">
+  <p:cSld>
+    <p:spTree>
+      <p:nvGrpSpPr>
+        <p:cNvPr id="1" name=""/>
+        <p:cNvGrpSpPr/>
+        <p:nvPr/>
+      </p:nvGrpSpPr>
+      <p:grpSpPr>
+        <a:xfrm>
+          <a:off x="0" y="0"/>
+          <a:ext cx="0" cy="0"/>
+          <a:chOff x="0" y="0"/>
+          <a:chExt cx="0" cy="0"/>
+        </a:xfrm>
+      </p:grpSpPr>
+      <p:sp>
+        <p:nvSpPr>
+          <p:cNvPr id="2" name="Titre 1"/>
+          <p:cNvSpPr>
+            <a:spLocks noGrp="1"/>
+          </p:cNvSpPr>
+          <p:nvPr>
+            <p:ph type="title"/>
+          </p:nvPr>
+        </p:nvSpPr>
+        <p:spPr/>
+        <p:txBody>
+          <a:bodyPr/>
+          <a:lstStyle/>
+          <a:p>
+            <a:r>
+              <a:rPr lang="fr-FR" dirty="0"/>
+              <a:t>Outils https://</a:t>
+            </a:r>
+            <a:r>
+              <a:rPr lang="fr-FR" dirty="0" err="1"/>
+              <a:t>github.com</a:t>
+            </a:r>
+            <a:r>
+              <a:rPr lang="fr-FR" dirty="0"/>
+              <a:t>/</a:t>
+            </a:r>
+            <a:r>
+              <a:rPr lang="fr-FR" dirty="0" err="1"/>
+              <a:t>ComplexNetTSP</a:t>
+            </a:r>
+            <a:r>
+              <a:rPr lang="fr-FR" dirty="0"/>
+              <a:t>/BFA3</a:t>
+            </a:r>
+            <a:endParaRPr lang="fr-FR" dirty="0"/>
+          </a:p>
+        </p:txBody>
+      </p:sp>
+      <p:sp>
+        <p:nvSpPr>
+          <p:cNvPr id="3" name="Espace réservé du contenu 2"/>
+          <p:cNvSpPr>
+            <a:spLocks noGrp="1"/>
+          </p:cNvSpPr>
+          <p:nvPr>
+            <p:ph idx="1"/>
+          </p:nvPr>
+        </p:nvSpPr>
+        <p:spPr/>
+        <p:txBody>
+          <a:bodyPr/>
+          <a:lstStyle/>
+          <a:p>
+            <a:r>
+              <a:rPr lang="fr-FR" dirty="0" smtClean="0"/>
+              <a:t>Projet avec python:</a:t>
+            </a:r>
+          </a:p>
+          <a:p>
+            <a:pPr lvl="1"/>
+            <a:r>
+              <a:rPr lang="fr-FR" dirty="0" err="1" smtClean="0"/>
+              <a:t>Jupyter</a:t>
+            </a:r>
+            <a:r>
+              <a:rPr lang="fr-FR" dirty="0" smtClean="0"/>
+              <a:t> notebook</a:t>
+            </a:r>
+          </a:p>
+          <a:p>
+            <a:pPr lvl="1"/>
+            <a:r>
+              <a:rPr lang="fr-FR" dirty="0" smtClean="0"/>
+              <a:t>Libraire </a:t>
+            </a:r>
+            <a:r>
+              <a:rPr lang="fr-FR" b="1" dirty="0" err="1" smtClean="0"/>
+              <a:t>Numpy</a:t>
+            </a:r>
+            <a:r>
+              <a:rPr lang="fr-FR" dirty="0" smtClean="0"/>
+              <a:t> : </a:t>
+            </a:r>
+          </a:p>
+          <a:p>
+            <a:pPr lvl="2"/>
+            <a:r>
+              <a:rPr lang="fr-FR" dirty="0"/>
+              <a:t>Introduction to </a:t>
+            </a:r>
+            <a:r>
+              <a:rPr lang="fr-FR" dirty="0" err="1"/>
+              <a:t>Numerical</a:t>
+            </a:r>
+            <a:r>
+              <a:rPr lang="fr-FR" dirty="0"/>
+              <a:t> </a:t>
+            </a:r>
+            <a:r>
+              <a:rPr lang="fr-FR" dirty="0" err="1"/>
+              <a:t>Computing</a:t>
+            </a:r>
+            <a:r>
+              <a:rPr lang="fr-FR" dirty="0"/>
+              <a:t> </a:t>
+            </a:r>
+            <a:r>
+              <a:rPr lang="fr-FR" dirty="0" err="1"/>
+              <a:t>with</a:t>
+            </a:r>
+            <a:r>
+              <a:rPr lang="fr-FR" dirty="0"/>
+              <a:t> </a:t>
+            </a:r>
+            <a:r>
+              <a:rPr lang="fr-FR" dirty="0" err="1" smtClean="0"/>
+              <a:t>NumPy</a:t>
+            </a:r>
+            <a:r>
+              <a:rPr lang="fr-FR" dirty="0" smtClean="0"/>
+              <a:t> : </a:t>
+            </a:r>
+            <a:r>
+              <a:rPr lang="fr-FR" b="1" dirty="0" smtClean="0">
+                <a:hlinkClick r:id="rId2"/>
+              </a:rPr>
+              <a:t>https://youtu.be/lKcwuPnSHIQ</a:t>
+            </a:r>
+            <a:endParaRPr lang="fr-FR" b="1" dirty="0" smtClean="0"/>
+          </a:p>
+          <a:p>
+            <a:pPr lvl="2"/>
+            <a:r>
+              <a:rPr lang="fr-FR" b="1" dirty="0" smtClean="0">
+                <a:hlinkClick r:id="rId3"/>
+              </a:rPr>
+              <a:t>https://github.com/enthought/Numpy-Tutorial-SciPyConf-2017</a:t>
+            </a:r>
+            <a:endParaRPr lang="fr-FR" b="1" dirty="0" smtClean="0"/>
+          </a:p>
+          <a:p>
+            <a:pPr lvl="1"/>
+            <a:r>
+              <a:rPr lang="fr-FR" dirty="0" smtClean="0"/>
+              <a:t>Libraire </a:t>
+            </a:r>
+            <a:r>
+              <a:rPr lang="fr-FR" b="1" dirty="0" smtClean="0"/>
+              <a:t>Pandas</a:t>
+            </a:r>
+          </a:p>
+          <a:p>
+            <a:pPr lvl="2"/>
+            <a:r>
+              <a:rPr lang="fr-FR" dirty="0"/>
+              <a:t>Pandas for Data </a:t>
+            </a:r>
+            <a:r>
+              <a:rPr lang="fr-FR" dirty="0" err="1"/>
+              <a:t>Analysis</a:t>
+            </a:r>
+            <a:r>
+              <a:rPr lang="fr-FR" dirty="0"/>
+              <a:t> </a:t>
+            </a:r>
+            <a:r>
+              <a:rPr lang="fr-FR" dirty="0" smtClean="0"/>
+              <a:t>: </a:t>
+            </a:r>
+            <a:r>
+              <a:rPr lang="fr-FR" b="1" dirty="0" smtClean="0">
+                <a:hlinkClick r:id="rId4"/>
+              </a:rPr>
+              <a:t>https://</a:t>
+            </a:r>
+            <a:r>
+              <a:rPr lang="fr-FR" b="1" dirty="0" smtClean="0">
+                <a:hlinkClick r:id="rId4"/>
+              </a:rPr>
+              <a:t>youtu.be/oGzU688xCUs</a:t>
+            </a:r>
+            <a:endParaRPr lang="fr-FR" b="1" dirty="0" smtClean="0"/>
+          </a:p>
+          <a:p>
+            <a:pPr lvl="2"/>
+            <a:r>
+              <a:rPr lang="fr-FR" b="1" dirty="0">
+                <a:hlinkClick r:id="rId5"/>
+              </a:rPr>
+              <a:t>https://pandas.pydata.org/pandas-docs/stable</a:t>
+            </a:r>
+            <a:r>
+              <a:rPr lang="fr-FR" b="1" dirty="0" smtClean="0">
+                <a:hlinkClick r:id="rId5"/>
+              </a:rPr>
+              <a:t>/</a:t>
+            </a:r>
+            <a:endParaRPr lang="fr-FR" b="1" dirty="0" smtClean="0"/>
+          </a:p>
+          <a:p>
+            <a:pPr lvl="2"/>
+            <a:r>
+              <a:rPr lang="fr-FR" b="1" dirty="0" smtClean="0">
+                <a:hlinkClick r:id="rId6"/>
+              </a:rPr>
+              <a:t>https://</a:t>
+            </a:r>
+            <a:r>
+              <a:rPr lang="fr-FR" b="1" dirty="0" smtClean="0">
+                <a:hlinkClick r:id="rId6"/>
+              </a:rPr>
+              <a:t>github.com/chendaniely/scipy-2017-tutorial-pandas</a:t>
+            </a:r>
+            <a:endParaRPr lang="fr-FR" b="1" dirty="0" smtClean="0"/>
+          </a:p>
+          <a:p>
+            <a:pPr lvl="1"/>
+            <a:r>
+              <a:rPr lang="fr-FR" b="1" dirty="0">
+                <a:hlinkClick r:id="rId7"/>
+              </a:rPr>
+              <a:t>https://www.quandl.com</a:t>
+            </a:r>
+            <a:r>
+              <a:rPr lang="fr-FR" b="1" dirty="0" smtClean="0">
+                <a:hlinkClick r:id="rId7"/>
+              </a:rPr>
+              <a:t>/</a:t>
+            </a:r>
+            <a:endParaRPr lang="fr-FR" b="1" dirty="0" smtClean="0"/>
+          </a:p>
+          <a:p>
+            <a:pPr lvl="1"/>
+            <a:r>
+              <a:rPr lang="fr-FR" b="1" dirty="0">
+                <a:hlinkClick r:id="rId8"/>
+              </a:rPr>
+              <a:t>https://</a:t>
+            </a:r>
+            <a:r>
+              <a:rPr lang="fr-FR" b="1" dirty="0" smtClean="0">
+                <a:hlinkClick r:id="rId8"/>
+              </a:rPr>
+              <a:t>www.quantopian.com/home</a:t>
+            </a:r>
+            <a:endParaRPr lang="fr-FR" b="1" dirty="0" smtClean="0"/>
+          </a:p>
+          <a:p>
+            <a:pPr lvl="1"/>
+            <a:endParaRPr lang="fr-FR" b="1" dirty="0" smtClean="0"/>
+          </a:p>
+        </p:txBody>
+      </p:sp>
+      <p:pic>
+        <p:nvPicPr>
+          <p:cNvPr id="5" name="Image 4"/>
+          <p:cNvPicPr>
+            <a:picLocks noChangeAspect="1"/>
+          </p:cNvPicPr>
+          <p:nvPr/>
+        </p:nvPicPr>
+        <p:blipFill>
+          <a:blip r:embed="rId9"/>
+          <a:stretch>
+            <a:fillRect/>
+          </a:stretch>
+        </p:blipFill>
+        <p:spPr>
+          <a:xfrm>
+            <a:off x="8444510" y="4140415"/>
+            <a:ext cx="3837034" cy="2717585"/>
+          </a:xfrm>
+          <a:prstGeom prst="rect">
+            <a:avLst/>
+          </a:prstGeom>
+        </p:spPr>
+      </p:pic>
+      <p:pic>
+        <p:nvPicPr>
+          <p:cNvPr id="4" name="Image 3"/>
+          <p:cNvPicPr>
+            <a:picLocks noChangeAspect="1"/>
+          </p:cNvPicPr>
+          <p:nvPr/>
+        </p:nvPicPr>
+        <p:blipFill>
+          <a:blip r:embed="rId10"/>
+          <a:stretch>
+            <a:fillRect/>
+          </a:stretch>
+        </p:blipFill>
+        <p:spPr>
+          <a:xfrm>
+            <a:off x="10256108" y="0"/>
+            <a:ext cx="1935892" cy="2538170"/>
+          </a:xfrm>
+          <a:prstGeom prst="rect">
+            <a:avLst/>
+          </a:prstGeom>
+        </p:spPr>
+      </p:pic>
+    </p:spTree>
+    <p:extLst>
+      <p:ext uri="{BB962C8B-B14F-4D97-AF65-F5344CB8AC3E}">
+        <p14:creationId xmlns:p14="http://schemas.microsoft.com/office/powerpoint/2010/main" val="1897927870"/>
+      </p:ext>
+    </p:extLst>
+  </p:cSld>
+  <p:clrMapOvr>
+    <a:masterClrMapping/>
+  </p:clrMapOvr>
+  <p:timing>
+    <p:tnLst>
+      <p:par>
+        <p:cTn id="1" dur="indefinite" restart="never" nodeType="tmRoot"/>
+      </p:par>
+    </p:tnLst>
+  </p:timing>
+</p:sld>
+</file>
+
+<file path=ppt/slides/slide3.xml><?xml version="1.0" encoding="utf-8"?>
+<p:sld xmlns:a="http://schemas.openxmlformats.org/drawingml/2006/main" xmlns:r="http://schemas.openxmlformats.org/officeDocument/2006/relationships" xmlns:p="http://schemas.openxmlformats.org/presentationml/2006/main">
+  <p:cSld>
+    <p:spTree>
+      <p:nvGrpSpPr>
+        <p:cNvPr id="1" name=""/>
+        <p:cNvGrpSpPr/>
+        <p:nvPr/>
+      </p:nvGrpSpPr>
+      <p:grpSpPr>
+        <a:xfrm>
+          <a:off x="0" y="0"/>
+          <a:ext cx="0" cy="0"/>
+          <a:chOff x="0" y="0"/>
+          <a:chExt cx="0" cy="0"/>
+        </a:xfrm>
+      </p:grpSpPr>
+      <p:sp>
+        <p:nvSpPr>
+          <p:cNvPr id="2" name="Titre 1"/>
+          <p:cNvSpPr>
+            <a:spLocks noGrp="1"/>
+          </p:cNvSpPr>
+          <p:nvPr>
+            <p:ph type="title"/>
+          </p:nvPr>
+        </p:nvSpPr>
+        <p:spPr/>
+        <p:txBody>
+          <a:bodyPr/>
+          <a:lstStyle/>
+          <a:p>
+            <a:r>
+              <a:rPr lang="fr-FR" dirty="0" smtClean="0"/>
+              <a:t>Accès aux données financières </a:t>
+            </a:r>
+            <a:endParaRPr lang="fr-FR" dirty="0"/>
+          </a:p>
+        </p:txBody>
+      </p:sp>
+      <p:pic>
+        <p:nvPicPr>
+          <p:cNvPr id="4" name="Espace réservé du contenu 3"/>
+          <p:cNvPicPr>
+            <a:picLocks noGrp="1" noChangeAspect="1"/>
+          </p:cNvPicPr>
+          <p:nvPr>
+            <p:ph idx="1"/>
+          </p:nvPr>
+        </p:nvPicPr>
+        <p:blipFill>
+          <a:blip r:embed="rId2">
+            <a:extLst>
+              <a:ext uri="{28A0092B-C50C-407E-A947-70E740481C1C}">
+                <a14:useLocalDpi xmlns:a14="http://schemas.microsoft.com/office/drawing/2010/main" val="0"/>
+              </a:ext>
+            </a:extLst>
+          </a:blip>
+          <a:stretch>
+            <a:fillRect/>
+          </a:stretch>
+        </p:blipFill>
+        <p:spPr>
+          <a:xfrm>
+            <a:off x="1450143" y="1916013"/>
+            <a:ext cx="9569151" cy="4941987"/>
+          </a:xfrm>
+        </p:spPr>
+      </p:pic>
+    </p:spTree>
+    <p:extLst>
+      <p:ext uri="{BB962C8B-B14F-4D97-AF65-F5344CB8AC3E}">
+        <p14:creationId xmlns:p14="http://schemas.microsoft.com/office/powerpoint/2010/main" val="1478597455"/>
+      </p:ext>
+    </p:extLst>
+  </p:cSld>
+  <p:clrMapOvr>
+    <a:masterClrMapping/>
+  </p:clrMapOvr>
+  <p:timing>
+    <p:tnLst>
+      <p:par>
+        <p:cTn id="1" dur="indefinite" restart="never" nodeType="tmRoot"/>
+      </p:par>
+    </p:tnLst>
+  </p:timing>
+</p:sld>
+</file>
+
+<file path=ppt/slides/slide4.xml><?xml version="1.0" encoding="utf-8"?>
+<p:sld xmlns:a="http://schemas.openxmlformats.org/drawingml/2006/main" xmlns:r="http://schemas.openxmlformats.org/officeDocument/2006/relationships" xmlns:p="http://schemas.openxmlformats.org/presentationml/2006/main">
+  <p:cSld>
+    <p:spTree>
+      <p:nvGrpSpPr>
+        <p:cNvPr id="1" name=""/>
+        <p:cNvGrpSpPr/>
+        <p:nvPr/>
+      </p:nvGrpSpPr>
+      <p:grpSpPr>
+        <a:xfrm>
+          <a:off x="0" y="0"/>
+          <a:ext cx="0" cy="0"/>
+          <a:chOff x="0" y="0"/>
+          <a:chExt cx="0" cy="0"/>
+        </a:xfrm>
+      </p:grpSpPr>
+      <p:sp>
+        <p:nvSpPr>
+          <p:cNvPr id="2" name="Titre 1"/>
+          <p:cNvSpPr>
+            <a:spLocks noGrp="1"/>
+          </p:cNvSpPr>
+          <p:nvPr>
+            <p:ph type="title"/>
+          </p:nvPr>
+        </p:nvSpPr>
+        <p:spPr/>
+        <p:txBody>
+          <a:bodyPr/>
+          <a:lstStyle/>
+          <a:p>
+            <a:r>
+              <a:rPr lang="fr-FR" dirty="0" smtClean="0"/>
+              <a:t>Accès </a:t>
+            </a:r>
+            <a:r>
+              <a:rPr lang="fr-FR" dirty="0"/>
+              <a:t>aux données financières </a:t>
+            </a:r>
+            <a:endParaRPr lang="fr-FR" dirty="0"/>
+          </a:p>
+        </p:txBody>
+      </p:sp>
+      <p:pic>
+        <p:nvPicPr>
+          <p:cNvPr id="4" name="Espace réservé du contenu 3"/>
+          <p:cNvPicPr>
+            <a:picLocks noGrp="1" noChangeAspect="1"/>
+          </p:cNvPicPr>
+          <p:nvPr>
+            <p:ph idx="1"/>
+          </p:nvPr>
+        </p:nvPicPr>
+        <p:blipFill>
+          <a:blip r:embed="rId2">
+            <a:extLst>
+              <a:ext uri="{28A0092B-C50C-407E-A947-70E740481C1C}">
+                <a14:useLocalDpi xmlns:a14="http://schemas.microsoft.com/office/drawing/2010/main" val="0"/>
+              </a:ext>
+            </a:extLst>
+          </a:blip>
+          <a:stretch>
+            <a:fillRect/>
+          </a:stretch>
+        </p:blipFill>
+        <p:spPr>
+          <a:xfrm>
+            <a:off x="2082048" y="1825625"/>
+            <a:ext cx="8027903" cy="4351338"/>
+          </a:xfrm>
+        </p:spPr>
+      </p:pic>
+    </p:spTree>
+    <p:extLst>
+      <p:ext uri="{BB962C8B-B14F-4D97-AF65-F5344CB8AC3E}">
+        <p14:creationId xmlns:p14="http://schemas.microsoft.com/office/powerpoint/2010/main" val="1755094576"/>
+      </p:ext>
+    </p:extLst>
+  </p:cSld>
+  <p:clrMapOvr>
+    <a:masterClrMapping/>
+  </p:clrMapOvr>
+  <p:timing>
+    <p:tnLst>
+      <p:par>
+        <p:cTn id="1" dur="indefinite" restart="never" nodeType="tmRoot"/>
+      </p:par>
+    </p:tnLst>
+  </p:timing>
+</p:sld>
+</file>
+
+<file path=ppt/slides/slide5.xml><?xml version="1.0" encoding="utf-8"?>
+<p:sld xmlns:a="http://schemas.openxmlformats.org/drawingml/2006/main" xmlns:r="http://schemas.openxmlformats.org/officeDocument/2006/relationships" xmlns:p="http://schemas.openxmlformats.org/presentationml/2006/main">
+  <p:cSld>
+    <p:spTree>
+      <p:nvGrpSpPr>
+        <p:cNvPr id="1" name=""/>
+        <p:cNvGrpSpPr/>
+        <p:nvPr/>
+      </p:nvGrpSpPr>
+      <p:grpSpPr>
+        <a:xfrm>
+          <a:off x="0" y="0"/>
+          <a:ext cx="0" cy="0"/>
+          <a:chOff x="0" y="0"/>
+          <a:chExt cx="0" cy="0"/>
+        </a:xfrm>
+      </p:grpSpPr>
+      <p:sp>
+        <p:nvSpPr>
+          <p:cNvPr id="2" name="Titre 1"/>
+          <p:cNvSpPr>
+            <a:spLocks noGrp="1"/>
+          </p:cNvSpPr>
+          <p:nvPr>
+            <p:ph type="title"/>
+          </p:nvPr>
+        </p:nvSpPr>
+        <p:spPr/>
+        <p:txBody>
+          <a:bodyPr/>
+          <a:lstStyle/>
+          <a:p>
+            <a:r>
+              <a:rPr lang="fr-FR" dirty="0" smtClean="0"/>
+              <a:t>1- Création de procédures pour la simulation de portfolio</a:t>
+            </a:r>
+            <a:endParaRPr lang="fr-FR" dirty="0"/>
+          </a:p>
+        </p:txBody>
+      </p:sp>
+      <p:sp>
+        <p:nvSpPr>
+          <p:cNvPr id="3" name="Espace réservé du contenu 2"/>
+          <p:cNvSpPr>
+            <a:spLocks noGrp="1"/>
+          </p:cNvSpPr>
+          <p:nvPr>
+            <p:ph idx="1"/>
+          </p:nvPr>
+        </p:nvSpPr>
+        <p:spPr/>
+        <p:txBody>
+          <a:bodyPr/>
+          <a:lstStyle/>
+          <a:p>
+            <a:r>
+              <a:rPr lang="fr-FR" dirty="0" smtClean="0"/>
+              <a:t>Input</a:t>
+            </a:r>
+          </a:p>
+          <a:p>
+            <a:pPr lvl="1"/>
+            <a:r>
+              <a:rPr lang="fr-FR" dirty="0" smtClean="0"/>
+              <a:t>Période considéré</a:t>
+            </a:r>
+          </a:p>
+          <a:p>
+            <a:pPr lvl="1"/>
+            <a:r>
+              <a:rPr lang="fr-FR" dirty="0" smtClean="0"/>
+              <a:t>Liste d’ordres d’achat</a:t>
+            </a:r>
+          </a:p>
+          <a:p>
+            <a:pPr lvl="1"/>
+            <a:r>
+              <a:rPr lang="fr-FR" dirty="0" smtClean="0"/>
+              <a:t>Capital initiale</a:t>
+            </a:r>
+          </a:p>
+          <a:p>
+            <a:r>
+              <a:rPr lang="fr-FR" dirty="0" smtClean="0"/>
+              <a:t>Output</a:t>
+            </a:r>
+          </a:p>
+          <a:p>
+            <a:pPr lvl="1"/>
+            <a:r>
+              <a:rPr lang="fr-FR" dirty="0" smtClean="0"/>
+              <a:t>Evolution du capitale</a:t>
+            </a:r>
+          </a:p>
+          <a:p>
+            <a:pPr lvl="1"/>
+            <a:r>
+              <a:rPr lang="fr-FR" dirty="0" smtClean="0"/>
+              <a:t>Evolution de la valeur du portfolio</a:t>
+            </a:r>
+          </a:p>
+        </p:txBody>
+      </p:sp>
+    </p:spTree>
+    <p:extLst>
+      <p:ext uri="{BB962C8B-B14F-4D97-AF65-F5344CB8AC3E}">
+        <p14:creationId xmlns:p14="http://schemas.microsoft.com/office/powerpoint/2010/main" val="1233805520"/>
+      </p:ext>
+    </p:extLst>
+  </p:cSld>
+  <p:clrMapOvr>
+    <a:masterClrMapping/>
+  </p:clrMapOvr>
+  <p:timing>
+    <p:tnLst>
+      <p:par>
+        <p:cTn id="1" dur="indefinite" restart="never" nodeType="tmRoot"/>
+      </p:par>
+    </p:tnLst>
+  </p:timing>
+</p:sld>
+</file>
+
+<file path=ppt/slides/slide6.xml><?xml version="1.0" encoding="utf-8"?>
+<p:sld xmlns:a="http://schemas.openxmlformats.org/drawingml/2006/main" xmlns:r="http://schemas.openxmlformats.org/officeDocument/2006/relationships" xmlns:p="http://schemas.openxmlformats.org/presentationml/2006/main">
+  <p:cSld>
+    <p:spTree>
+      <p:nvGrpSpPr>
+        <p:cNvPr id="1" name=""/>
+        <p:cNvGrpSpPr/>
+        <p:nvPr/>
+      </p:nvGrpSpPr>
+      <p:grpSpPr>
+        <a:xfrm>
+          <a:off x="0" y="0"/>
+          <a:ext cx="0" cy="0"/>
+          <a:chOff x="0" y="0"/>
+          <a:chExt cx="0" cy="0"/>
+        </a:xfrm>
+      </p:grpSpPr>
+      <p:sp>
+        <p:nvSpPr>
+          <p:cNvPr id="2" name="Titre 1"/>
+          <p:cNvSpPr>
+            <a:spLocks noGrp="1"/>
+          </p:cNvSpPr>
+          <p:nvPr>
+            <p:ph type="title"/>
+          </p:nvPr>
+        </p:nvSpPr>
+        <p:spPr/>
+        <p:txBody>
+          <a:bodyPr/>
+          <a:lstStyle/>
+          <a:p>
+            <a:r>
+              <a:rPr lang="fr-FR" dirty="0" smtClean="0"/>
+              <a:t>2 - </a:t>
+            </a:r>
+            <a:r>
+              <a:rPr lang="fr-FR" dirty="0"/>
+              <a:t>Création de </a:t>
+            </a:r>
+            <a:r>
+              <a:rPr lang="fr-FR" dirty="0" smtClean="0"/>
+              <a:t>procédures pour le calcule d’indices boursier</a:t>
+            </a:r>
+            <a:endParaRPr lang="fr-FR" dirty="0"/>
+          </a:p>
+        </p:txBody>
+      </p:sp>
+      <p:sp>
+        <p:nvSpPr>
+          <p:cNvPr id="3" name="Espace réservé du contenu 2"/>
+          <p:cNvSpPr>
+            <a:spLocks noGrp="1"/>
+          </p:cNvSpPr>
+          <p:nvPr>
+            <p:ph idx="1"/>
+          </p:nvPr>
+        </p:nvSpPr>
+        <p:spPr/>
+        <p:txBody>
+          <a:bodyPr>
+            <a:normAutofit lnSpcReduction="10000"/>
+          </a:bodyPr>
+          <a:lstStyle/>
+          <a:p>
+            <a:r>
+              <a:rPr lang="fr-FR" dirty="0"/>
+              <a:t>http://</a:t>
+            </a:r>
+            <a:r>
+              <a:rPr lang="fr-FR" dirty="0" err="1"/>
+              <a:t>gouthamanbalaraman.com</a:t>
+            </a:r>
+            <a:r>
+              <a:rPr lang="fr-FR" dirty="0"/>
+              <a:t>/blog/</a:t>
+            </a:r>
+            <a:r>
+              <a:rPr lang="fr-FR" dirty="0" err="1"/>
+              <a:t>calculating</a:t>
+            </a:r>
+            <a:r>
+              <a:rPr lang="fr-FR" dirty="0"/>
+              <a:t>-</a:t>
+            </a:r>
+            <a:r>
+              <a:rPr lang="fr-FR" dirty="0" err="1"/>
+              <a:t>stock-beta.html</a:t>
+            </a:r>
+            <a:endParaRPr lang="fr-FR" dirty="0"/>
+          </a:p>
+          <a:p>
+            <a:r>
+              <a:rPr lang="fr-FR" dirty="0" smtClean="0"/>
+              <a:t>Input</a:t>
+            </a:r>
+          </a:p>
+          <a:p>
+            <a:pPr lvl="1"/>
+            <a:r>
+              <a:rPr lang="fr-FR" dirty="0" err="1" smtClean="0"/>
+              <a:t>Ticker</a:t>
+            </a:r>
+            <a:endParaRPr lang="fr-FR" dirty="0" smtClean="0"/>
+          </a:p>
+          <a:p>
+            <a:pPr lvl="1"/>
+            <a:r>
+              <a:rPr lang="fr-FR" dirty="0" smtClean="0"/>
+              <a:t>Période considéré</a:t>
+            </a:r>
+          </a:p>
+          <a:p>
+            <a:r>
+              <a:rPr lang="fr-FR" dirty="0" smtClean="0"/>
+              <a:t>Output</a:t>
+            </a:r>
+          </a:p>
+          <a:p>
+            <a:pPr lvl="1"/>
+            <a:r>
+              <a:rPr lang="fr-FR" dirty="0" err="1" smtClean="0"/>
+              <a:t>Momentum</a:t>
+            </a:r>
+            <a:endParaRPr lang="fr-FR" dirty="0" smtClean="0"/>
+          </a:p>
+          <a:p>
+            <a:pPr lvl="1"/>
+            <a:r>
+              <a:rPr lang="fr-FR" dirty="0" smtClean="0"/>
+              <a:t>Alpha</a:t>
+            </a:r>
+          </a:p>
+          <a:p>
+            <a:pPr lvl="1"/>
+            <a:r>
+              <a:rPr lang="fr-FR" dirty="0" smtClean="0"/>
+              <a:t>Beta</a:t>
+            </a:r>
+          </a:p>
+          <a:p>
+            <a:pPr lvl="1"/>
+            <a:r>
+              <a:rPr lang="fr-FR" dirty="0"/>
+              <a:t>Sharpe </a:t>
+            </a:r>
+            <a:r>
+              <a:rPr lang="fr-FR" dirty="0" smtClean="0"/>
+              <a:t>Ratio</a:t>
+            </a:r>
+          </a:p>
+          <a:p>
+            <a:pPr lvl="1"/>
+            <a:r>
+              <a:rPr lang="fr-FR" dirty="0"/>
+              <a:t>Information Ratio</a:t>
+            </a:r>
+            <a:endParaRPr lang="fr-FR" dirty="0" smtClean="0"/>
+          </a:p>
+          <a:p>
+            <a:pPr lvl="1"/>
+            <a:r>
+              <a:rPr lang="fr-FR" dirty="0" smtClean="0"/>
+              <a:t>Return</a:t>
+            </a:r>
+            <a:endParaRPr lang="fr-FR" dirty="0"/>
+          </a:p>
+        </p:txBody>
+      </p:sp>
+    </p:spTree>
+    <p:extLst>
+      <p:ext uri="{BB962C8B-B14F-4D97-AF65-F5344CB8AC3E}">
+        <p14:creationId xmlns:p14="http://schemas.microsoft.com/office/powerpoint/2010/main" val="1526823771"/>
+      </p:ext>
+    </p:extLst>
+  </p:cSld>
+  <p:clrMapOvr>
+    <a:masterClrMapping/>
+  </p:clrMapOvr>
+  <p:timing>
+    <p:tnLst>
+      <p:par>
+        <p:cTn id="1" dur="indefinite" restart="never" nodeType="tmRoot"/>
+      </p:par>
+    </p:tnLst>
+  </p:timing>
+</p:sld>
+</file>
+
+<file path=ppt/slides/slide7.xml><?xml version="1.0" encoding="utf-8"?>
+<p:sld xmlns:a="http://schemas.openxmlformats.org/drawingml/2006/main" xmlns:r="http://schemas.openxmlformats.org/officeDocument/2006/relationships" xmlns:p="http://schemas.openxmlformats.org/presentationml/2006/main">
+  <p:cSld>
+    <p:spTree>
+      <p:nvGrpSpPr>
+        <p:cNvPr id="1" name=""/>
+        <p:cNvGrpSpPr/>
+        <p:nvPr/>
+      </p:nvGrpSpPr>
+      <p:grpSpPr>
+        <a:xfrm>
+          <a:off x="0" y="0"/>
+          <a:ext cx="0" cy="0"/>
+          <a:chOff x="0" y="0"/>
+          <a:chExt cx="0" cy="0"/>
+        </a:xfrm>
+      </p:grpSpPr>
+      <p:sp>
+        <p:nvSpPr>
+          <p:cNvPr id="2" name="Titre 1"/>
+          <p:cNvSpPr>
+            <a:spLocks noGrp="1"/>
+          </p:cNvSpPr>
+          <p:nvPr>
+            <p:ph type="title"/>
+          </p:nvPr>
+        </p:nvSpPr>
+        <p:spPr/>
+        <p:txBody>
+          <a:bodyPr/>
+          <a:lstStyle/>
+          <a:p>
+            <a:r>
+              <a:rPr lang="fr-FR" dirty="0" smtClean="0"/>
+              <a:t>3 - </a:t>
+            </a:r>
+            <a:r>
+              <a:rPr lang="fr-FR" dirty="0"/>
+              <a:t>Création de </a:t>
+            </a:r>
+            <a:r>
+              <a:rPr lang="fr-FR" dirty="0" smtClean="0"/>
+              <a:t>procédures de génération automatique d’ordres d’achats </a:t>
+            </a:r>
+            <a:endParaRPr lang="fr-FR" dirty="0"/>
+          </a:p>
+        </p:txBody>
+      </p:sp>
+      <p:sp>
+        <p:nvSpPr>
+          <p:cNvPr id="3" name="Espace réservé du contenu 2"/>
+          <p:cNvSpPr>
+            <a:spLocks noGrp="1"/>
+          </p:cNvSpPr>
+          <p:nvPr>
+            <p:ph idx="1"/>
+          </p:nvPr>
+        </p:nvSpPr>
+        <p:spPr/>
+        <p:txBody>
+          <a:bodyPr/>
+          <a:lstStyle/>
+          <a:p>
+            <a:r>
+              <a:rPr lang="fr-FR" dirty="0" smtClean="0"/>
+              <a:t>Basé sur les </a:t>
+            </a:r>
+            <a:r>
+              <a:rPr lang="fr-FR" u="sng" dirty="0">
+                <a:hlinkClick r:id="rId2"/>
+              </a:rPr>
+              <a:t>Bandes de </a:t>
+            </a:r>
+            <a:r>
+              <a:rPr lang="fr-FR" u="sng" dirty="0" smtClean="0">
+                <a:hlinkClick r:id="rId2"/>
+              </a:rPr>
+              <a:t>Bollinger</a:t>
+            </a:r>
+            <a:r>
+              <a:rPr lang="fr-FR" u="sng" dirty="0" smtClean="0"/>
+              <a:t>:</a:t>
+            </a:r>
+          </a:p>
+          <a:p>
+            <a:pPr lvl="1"/>
+            <a:r>
+              <a:rPr lang="fr-FR" dirty="0" smtClean="0"/>
+              <a:t>Créer des ordres d’achats</a:t>
+            </a:r>
+          </a:p>
+          <a:p>
+            <a:pPr lvl="1"/>
+            <a:r>
+              <a:rPr lang="fr-FR" dirty="0" smtClean="0"/>
+              <a:t>Simuler les résultats avec les procédures définis précédemment </a:t>
+            </a:r>
+            <a:endParaRPr lang="fr-FR" dirty="0"/>
+          </a:p>
+          <a:p>
+            <a:r>
+              <a:rPr lang="fr-FR" dirty="0" smtClean="0"/>
+              <a:t>Inputs:</a:t>
+            </a:r>
+          </a:p>
+          <a:p>
+            <a:pPr lvl="1"/>
+            <a:r>
+              <a:rPr lang="fr-FR" dirty="0" smtClean="0"/>
+              <a:t>Liste des actions considérées</a:t>
+            </a:r>
+          </a:p>
+          <a:p>
+            <a:pPr lvl="1"/>
+            <a:r>
+              <a:rPr lang="fr-FR" dirty="0" smtClean="0"/>
+              <a:t>Période considéré </a:t>
+            </a:r>
+          </a:p>
+          <a:p>
+            <a:r>
+              <a:rPr lang="fr-FR" dirty="0" smtClean="0"/>
+              <a:t>Outputs: </a:t>
+            </a:r>
+          </a:p>
+          <a:p>
+            <a:pPr lvl="1"/>
+            <a:r>
+              <a:rPr lang="fr-FR" dirty="0" smtClean="0"/>
+              <a:t>ordres d’achats</a:t>
+            </a:r>
+          </a:p>
+          <a:p>
+            <a:pPr lvl="2"/>
+            <a:r>
+              <a:rPr lang="fr-FR" dirty="0" err="1" smtClean="0"/>
+              <a:t>Ticker</a:t>
+            </a:r>
+            <a:r>
+              <a:rPr lang="fr-FR" dirty="0" smtClean="0"/>
+              <a:t>, date, volume, (</a:t>
+            </a:r>
+            <a:r>
+              <a:rPr lang="fr-FR" dirty="0" err="1" smtClean="0"/>
+              <a:t>Buy</a:t>
+            </a:r>
+            <a:r>
+              <a:rPr lang="fr-FR" dirty="0" smtClean="0"/>
+              <a:t>, </a:t>
+            </a:r>
+            <a:r>
+              <a:rPr lang="fr-FR" dirty="0" err="1" smtClean="0"/>
+              <a:t>Sell</a:t>
+            </a:r>
+            <a:r>
+              <a:rPr lang="fr-FR" dirty="0" smtClean="0"/>
+              <a:t>, Short)</a:t>
+            </a:r>
+            <a:endParaRPr lang="fr-FR" dirty="0"/>
+          </a:p>
+        </p:txBody>
+      </p:sp>
+    </p:spTree>
+    <p:extLst>
+      <p:ext uri="{BB962C8B-B14F-4D97-AF65-F5344CB8AC3E}">
+        <p14:creationId xmlns:p14="http://schemas.microsoft.com/office/powerpoint/2010/main" val="429143056"/>
+      </p:ext>
+    </p:extLst>
+  </p:cSld>
+  <p:clrMapOvr>
+    <a:masterClrMapping/>
+  </p:clrMapOvr>
+  <p:timing>
+    <p:tnLst>
+      <p:par>
+        <p:cTn id="1" dur="indefinite" restart="never" nodeType="tmRoot"/>
+      </p:par>
+    </p:tnLst>
+  </p:timing>
+</p:sld>
+</file>
+
+<file path=ppt/slides/slide8.xml><?xml version="1.0" encoding="utf-8"?>
+<p:sld xmlns:a="http://schemas.openxmlformats.org/drawingml/2006/main" xmlns:r="http://schemas.openxmlformats.org/officeDocument/2006/relationships" xmlns:p="http://schemas.openxmlformats.org/presentationml/2006/main">
+  <p:cSld>
+    <p:spTree>
+      <p:nvGrpSpPr>
+        <p:cNvPr id="1" name=""/>
+        <p:cNvGrpSpPr/>
+        <p:nvPr/>
+      </p:nvGrpSpPr>
+      <p:grpSpPr>
+        <a:xfrm>
+          <a:off x="0" y="0"/>
+          <a:ext cx="0" cy="0"/>
+          <a:chOff x="0" y="0"/>
+          <a:chExt cx="0" cy="0"/>
+        </a:xfrm>
+      </p:grpSpPr>
+      <p:sp>
+        <p:nvSpPr>
+          <p:cNvPr id="2" name="Titre 1"/>
+          <p:cNvSpPr>
+            <a:spLocks noGrp="1"/>
+          </p:cNvSpPr>
+          <p:nvPr>
+            <p:ph type="title"/>
+          </p:nvPr>
+        </p:nvSpPr>
+        <p:spPr/>
+        <p:txBody>
+          <a:bodyPr/>
+          <a:lstStyle/>
+          <a:p>
+            <a:r>
+              <a:rPr lang="fr-FR" dirty="0" smtClean="0"/>
+              <a:t>4 </a:t>
+            </a:r>
+            <a:r>
+              <a:rPr lang="fr-FR" dirty="0"/>
+              <a:t>- Création de procédures de génération automatique d’ordres d’achats </a:t>
+            </a:r>
+          </a:p>
+        </p:txBody>
+      </p:sp>
+      <p:sp>
+        <p:nvSpPr>
+          <p:cNvPr id="3" name="Espace réservé du contenu 2"/>
+          <p:cNvSpPr>
+            <a:spLocks noGrp="1"/>
+          </p:cNvSpPr>
+          <p:nvPr>
+            <p:ph idx="1"/>
+          </p:nvPr>
+        </p:nvSpPr>
+        <p:spPr/>
+        <p:txBody>
+          <a:bodyPr/>
+          <a:lstStyle/>
+          <a:p>
+            <a:r>
+              <a:rPr lang="fr-FR" dirty="0" smtClean="0"/>
+              <a:t>Basé sur un historique d’événements créer des ordres d’achats</a:t>
+            </a:r>
+          </a:p>
+          <a:p>
+            <a:pPr lvl="1"/>
+            <a:r>
+              <a:rPr lang="fr-FR" dirty="0" smtClean="0"/>
+              <a:t>Exemple: baisse de 2% en une journée</a:t>
+            </a:r>
+          </a:p>
+          <a:p>
+            <a:pPr lvl="1"/>
+            <a:r>
+              <a:rPr lang="fr-FR" dirty="0" smtClean="0"/>
+              <a:t>Simuler le résultat </a:t>
+            </a:r>
+          </a:p>
+          <a:p>
+            <a:r>
+              <a:rPr lang="fr-FR" dirty="0" smtClean="0"/>
+              <a:t>Inputs:</a:t>
+            </a:r>
+          </a:p>
+          <a:p>
+            <a:pPr lvl="1"/>
+            <a:r>
+              <a:rPr lang="fr-FR" dirty="0" smtClean="0"/>
+              <a:t>Période considéré </a:t>
+            </a:r>
+          </a:p>
+          <a:p>
+            <a:pPr lvl="1"/>
+            <a:r>
+              <a:rPr lang="fr-FR" dirty="0" err="1" smtClean="0"/>
+              <a:t>Ticker</a:t>
+            </a:r>
+            <a:endParaRPr lang="fr-FR" dirty="0" smtClean="0"/>
+          </a:p>
+          <a:p>
+            <a:r>
+              <a:rPr lang="fr-FR" dirty="0" smtClean="0"/>
+              <a:t>Outputs:</a:t>
+            </a:r>
+          </a:p>
+          <a:p>
+            <a:pPr lvl="1"/>
+            <a:r>
+              <a:rPr lang="fr-FR" dirty="0" smtClean="0"/>
+              <a:t>Ordres d’achats</a:t>
+            </a:r>
+          </a:p>
+          <a:p>
+            <a:pPr lvl="2"/>
+            <a:r>
+              <a:rPr lang="fr-FR" dirty="0" err="1"/>
+              <a:t>Ticker</a:t>
+            </a:r>
+            <a:r>
+              <a:rPr lang="fr-FR" dirty="0"/>
+              <a:t>, date, volume, (</a:t>
+            </a:r>
+            <a:r>
+              <a:rPr lang="fr-FR" dirty="0" err="1"/>
+              <a:t>Buy</a:t>
+            </a:r>
+            <a:r>
+              <a:rPr lang="fr-FR" dirty="0"/>
+              <a:t>, </a:t>
+            </a:r>
+            <a:r>
+              <a:rPr lang="fr-FR" dirty="0" err="1"/>
+              <a:t>Sell</a:t>
+            </a:r>
+            <a:r>
+              <a:rPr lang="fr-FR" dirty="0"/>
+              <a:t>, Short</a:t>
+            </a:r>
+            <a:r>
+              <a:rPr lang="fr-FR" dirty="0" smtClean="0"/>
+              <a:t>)</a:t>
+            </a:r>
+            <a:endParaRPr lang="fr-FR" dirty="0"/>
+          </a:p>
+        </p:txBody>
+      </p:sp>
+    </p:spTree>
+    <p:extLst>
+      <p:ext uri="{BB962C8B-B14F-4D97-AF65-F5344CB8AC3E}">
+        <p14:creationId xmlns:p14="http://schemas.microsoft.com/office/powerpoint/2010/main" val="675411220"/>
+      </p:ext>
+    </p:extLst>
+  </p:cSld>
+  <p:clrMapOvr>
+    <a:masterClrMapping/>
+  </p:clrMapOvr>
+  <p:timing>
+    <p:tnLst>
+      <p:par>
+        <p:cTn id="1" dur="indefinite" restart="never" nodeType="tmRoot"/>
+      </p:par>
+    </p:tnLst>
+  </p:timing>
+</p:sld>
+</file>
+
+<file path=ppt/slides/slide9.xml><?xml version="1.0" encoding="utf-8"?>
+<p:sld xmlns:a="http://schemas.openxmlformats.org/drawingml/2006/main" xmlns:r="http://schemas.openxmlformats.org/officeDocument/2006/relationships" xmlns:p="http://schemas.openxmlformats.org/presentationml/2006/main">
+  <p:cSld>
+    <p:spTree>
+      <p:nvGrpSpPr>
+        <p:cNvPr id="1" name=""/>
+        <p:cNvGrpSpPr/>
+        <p:nvPr/>
+      </p:nvGrpSpPr>
+      <p:grpSpPr>
+        <a:xfrm>
+          <a:off x="0" y="0"/>
+          <a:ext cx="0" cy="0"/>
+          <a:chOff x="0" y="0"/>
+          <a:chExt cx="0" cy="0"/>
+        </a:xfrm>
+      </p:grpSpPr>
+      <p:sp>
+        <p:nvSpPr>
+          <p:cNvPr id="2" name="Titre 1"/>
+          <p:cNvSpPr>
+            <a:spLocks noGrp="1"/>
+          </p:cNvSpPr>
+          <p:nvPr>
+            <p:ph type="title"/>
+          </p:nvPr>
+        </p:nvSpPr>
+        <p:spPr/>
+        <p:txBody>
+          <a:bodyPr/>
+          <a:lstStyle/>
+          <a:p>
+            <a:r>
+              <a:rPr lang="fr-FR" dirty="0" smtClean="0"/>
+              <a:t>Notes</a:t>
+            </a:r>
+            <a:endParaRPr lang="fr-FR" dirty="0"/>
+          </a:p>
+        </p:txBody>
+      </p:sp>
+      <p:sp>
+        <p:nvSpPr>
+          <p:cNvPr id="3" name="Espace réservé du contenu 2"/>
+          <p:cNvSpPr>
+            <a:spLocks noGrp="1"/>
+          </p:cNvSpPr>
+          <p:nvPr>
+            <p:ph idx="1"/>
+          </p:nvPr>
+        </p:nvSpPr>
+        <p:spPr/>
+        <p:txBody>
+          <a:bodyPr/>
+          <a:lstStyle/>
+          <a:p>
+            <a:r>
+              <a:rPr lang="fr-FR" dirty="0" smtClean="0"/>
+              <a:t>https</a:t>
+            </a:r>
+            <a:r>
+              <a:rPr lang="fr-FR" dirty="0"/>
+              <a:t>://</a:t>
+            </a:r>
+            <a:r>
+              <a:rPr lang="fr-FR" dirty="0" err="1"/>
+              <a:t>github.com</a:t>
+            </a:r>
+            <a:r>
+              <a:rPr lang="fr-FR" dirty="0"/>
+              <a:t>/</a:t>
+            </a:r>
+            <a:r>
+              <a:rPr lang="fr-FR" dirty="0" err="1"/>
+              <a:t>ComplexNetTSP</a:t>
+            </a:r>
+            <a:r>
+              <a:rPr lang="fr-FR" dirty="0"/>
+              <a:t>/BFA3</a:t>
+            </a:r>
+          </a:p>
+        </p:txBody>
+      </p:sp>
+    </p:spTree>
+    <p:extLst>
+      <p:ext uri="{BB962C8B-B14F-4D97-AF65-F5344CB8AC3E}">
+        <p14:creationId xmlns:p14="http://schemas.microsoft.com/office/powerpoint/2010/main" val="1581628639"/>
+      </p:ext>
+    </p:extLst>
+  </p:cSld>
+  <p:clrMapOvr>
+    <a:masterClrMapping/>
+  </p:clrMapOvr>
+  <p:timing>
+    <p:tnLst>
+      <p:par>
+        <p:cTn id="1" dur="indefinite" restart="never" nodeType="tmRoot"/>
+      </p:par>
+    </p:tnLst>
+  </p:timing>
 </p:sld>
 </file>
 

--- a/BFA3_intro.pptx
+++ b/BFA3_intro.pptx
@@ -7,8 +7,8 @@
   <p:sldIdLst>
     <p:sldId id="256" r:id="rId2"/>
     <p:sldId id="257" r:id="rId3"/>
-    <p:sldId id="258" r:id="rId4"/>
-    <p:sldId id="259" r:id="rId5"/>
+    <p:sldId id="266" r:id="rId4"/>
+    <p:sldId id="267" r:id="rId5"/>
     <p:sldId id="260" r:id="rId6"/>
     <p:sldId id="261" r:id="rId7"/>
     <p:sldId id="262" r:id="rId8"/>
@@ -174,10 +174,9 @@
           </a:lstStyle>
           <a:p>
             <a:r>
-              <a:rPr lang="fr-FR" smtClean="0"/>
+              <a:rPr lang="fr-FR"/>
               <a:t>Cliquez et modifiez le titre</a:t>
             </a:r>
-            <a:endParaRPr lang="fr-FR"/>
           </a:p>
         </p:txBody>
       </p:sp>
@@ -239,10 +238,9 @@
           </a:lstStyle>
           <a:p>
             <a:r>
-              <a:rPr lang="fr-FR" smtClean="0"/>
+              <a:rPr lang="fr-FR"/>
               <a:t>Cliquez pour modifier le style des sous-titres du masque</a:t>
             </a:r>
-            <a:endParaRPr lang="fr-FR"/>
           </a:p>
         </p:txBody>
       </p:sp>
@@ -263,7 +261,7 @@
           <a:p>
             <a:fld id="{869C7EC8-944A-944C-992C-1A11877A7039}" type="datetimeFigureOut">
               <a:rPr lang="fr-FR" smtClean="0"/>
-              <a:t>04/09/2017</a:t>
+              <a:t>04/09/2018</a:t>
             </a:fld>
             <a:endParaRPr lang="fr-FR"/>
           </a:p>
@@ -305,7 +303,7 @@
           <a:p>
             <a:fld id="{360569F9-B728-364A-95CF-6725909BFE55}" type="slidenum">
               <a:rPr lang="fr-FR" smtClean="0"/>
-              <a:t>‹#›</a:t>
+              <a:t>‹N°›</a:t>
             </a:fld>
             <a:endParaRPr lang="fr-FR"/>
           </a:p>
@@ -357,10 +355,9 @@
           <a:lstStyle/>
           <a:p>
             <a:r>
-              <a:rPr lang="fr-FR" smtClean="0"/>
+              <a:rPr lang="fr-FR"/>
               <a:t>Cliquez et modifiez le titre</a:t>
             </a:r>
-            <a:endParaRPr lang="fr-FR"/>
           </a:p>
         </p:txBody>
       </p:sp>
@@ -381,38 +378,37 @@
           <a:p>
             <a:pPr lvl="0"/>
             <a:r>
-              <a:rPr lang="fr-FR" smtClean="0"/>
+              <a:rPr lang="fr-FR"/>
               <a:t>Cliquez pour modifier les styles du texte du masque</a:t>
             </a:r>
           </a:p>
           <a:p>
             <a:pPr lvl="1"/>
             <a:r>
-              <a:rPr lang="fr-FR" smtClean="0"/>
+              <a:rPr lang="fr-FR"/>
               <a:t>Deuxième niveau</a:t>
             </a:r>
           </a:p>
           <a:p>
             <a:pPr lvl="2"/>
             <a:r>
-              <a:rPr lang="fr-FR" smtClean="0"/>
+              <a:rPr lang="fr-FR"/>
               <a:t>Troisième niveau</a:t>
             </a:r>
           </a:p>
           <a:p>
             <a:pPr lvl="3"/>
             <a:r>
-              <a:rPr lang="fr-FR" smtClean="0"/>
+              <a:rPr lang="fr-FR"/>
               <a:t>Quatrième niveau</a:t>
             </a:r>
           </a:p>
           <a:p>
             <a:pPr lvl="4"/>
             <a:r>
-              <a:rPr lang="fr-FR" smtClean="0"/>
+              <a:rPr lang="fr-FR"/>
               <a:t>Cinquième niveau</a:t>
             </a:r>
-            <a:endParaRPr lang="fr-FR"/>
           </a:p>
         </p:txBody>
       </p:sp>
@@ -433,7 +429,7 @@
           <a:p>
             <a:fld id="{869C7EC8-944A-944C-992C-1A11877A7039}" type="datetimeFigureOut">
               <a:rPr lang="fr-FR" smtClean="0"/>
-              <a:t>04/09/2017</a:t>
+              <a:t>04/09/2018</a:t>
             </a:fld>
             <a:endParaRPr lang="fr-FR"/>
           </a:p>
@@ -475,7 +471,7 @@
           <a:p>
             <a:fld id="{360569F9-B728-364A-95CF-6725909BFE55}" type="slidenum">
               <a:rPr lang="fr-FR" smtClean="0"/>
-              <a:t>‹#›</a:t>
+              <a:t>‹N°›</a:t>
             </a:fld>
             <a:endParaRPr lang="fr-FR"/>
           </a:p>
@@ -532,10 +528,9 @@
           <a:lstStyle/>
           <a:p>
             <a:r>
-              <a:rPr lang="fr-FR" smtClean="0"/>
+              <a:rPr lang="fr-FR"/>
               <a:t>Cliquez et modifiez le titre</a:t>
             </a:r>
-            <a:endParaRPr lang="fr-FR"/>
           </a:p>
         </p:txBody>
       </p:sp>
@@ -561,38 +556,37 @@
           <a:p>
             <a:pPr lvl="0"/>
             <a:r>
-              <a:rPr lang="fr-FR" smtClean="0"/>
+              <a:rPr lang="fr-FR"/>
               <a:t>Cliquez pour modifier les styles du texte du masque</a:t>
             </a:r>
           </a:p>
           <a:p>
             <a:pPr lvl="1"/>
             <a:r>
-              <a:rPr lang="fr-FR" smtClean="0"/>
+              <a:rPr lang="fr-FR"/>
               <a:t>Deuxième niveau</a:t>
             </a:r>
           </a:p>
           <a:p>
             <a:pPr lvl="2"/>
             <a:r>
-              <a:rPr lang="fr-FR" smtClean="0"/>
+              <a:rPr lang="fr-FR"/>
               <a:t>Troisième niveau</a:t>
             </a:r>
           </a:p>
           <a:p>
             <a:pPr lvl="3"/>
             <a:r>
-              <a:rPr lang="fr-FR" smtClean="0"/>
+              <a:rPr lang="fr-FR"/>
               <a:t>Quatrième niveau</a:t>
             </a:r>
           </a:p>
           <a:p>
             <a:pPr lvl="4"/>
             <a:r>
-              <a:rPr lang="fr-FR" smtClean="0"/>
+              <a:rPr lang="fr-FR"/>
               <a:t>Cinquième niveau</a:t>
             </a:r>
-            <a:endParaRPr lang="fr-FR"/>
           </a:p>
         </p:txBody>
       </p:sp>
@@ -613,7 +607,7 @@
           <a:p>
             <a:fld id="{869C7EC8-944A-944C-992C-1A11877A7039}" type="datetimeFigureOut">
               <a:rPr lang="fr-FR" smtClean="0"/>
-              <a:t>04/09/2017</a:t>
+              <a:t>04/09/2018</a:t>
             </a:fld>
             <a:endParaRPr lang="fr-FR"/>
           </a:p>
@@ -655,7 +649,7 @@
           <a:p>
             <a:fld id="{360569F9-B728-364A-95CF-6725909BFE55}" type="slidenum">
               <a:rPr lang="fr-FR" smtClean="0"/>
-              <a:t>‹#›</a:t>
+              <a:t>‹N°›</a:t>
             </a:fld>
             <a:endParaRPr lang="fr-FR"/>
           </a:p>
@@ -707,10 +701,9 @@
           <a:lstStyle/>
           <a:p>
             <a:r>
-              <a:rPr lang="fr-FR" smtClean="0"/>
+              <a:rPr lang="fr-FR"/>
               <a:t>Cliquez et modifiez le titre</a:t>
             </a:r>
-            <a:endParaRPr lang="fr-FR"/>
           </a:p>
         </p:txBody>
       </p:sp>
@@ -731,38 +724,37 @@
           <a:p>
             <a:pPr lvl="0"/>
             <a:r>
-              <a:rPr lang="fr-FR" smtClean="0"/>
+              <a:rPr lang="fr-FR"/>
               <a:t>Cliquez pour modifier les styles du texte du masque</a:t>
             </a:r>
           </a:p>
           <a:p>
             <a:pPr lvl="1"/>
             <a:r>
-              <a:rPr lang="fr-FR" smtClean="0"/>
+              <a:rPr lang="fr-FR"/>
               <a:t>Deuxième niveau</a:t>
             </a:r>
           </a:p>
           <a:p>
             <a:pPr lvl="2"/>
             <a:r>
-              <a:rPr lang="fr-FR" smtClean="0"/>
+              <a:rPr lang="fr-FR"/>
               <a:t>Troisième niveau</a:t>
             </a:r>
           </a:p>
           <a:p>
             <a:pPr lvl="3"/>
             <a:r>
-              <a:rPr lang="fr-FR" smtClean="0"/>
+              <a:rPr lang="fr-FR"/>
               <a:t>Quatrième niveau</a:t>
             </a:r>
           </a:p>
           <a:p>
             <a:pPr lvl="4"/>
             <a:r>
-              <a:rPr lang="fr-FR" smtClean="0"/>
+              <a:rPr lang="fr-FR"/>
               <a:t>Cinquième niveau</a:t>
             </a:r>
-            <a:endParaRPr lang="fr-FR"/>
           </a:p>
         </p:txBody>
       </p:sp>
@@ -783,7 +775,7 @@
           <a:p>
             <a:fld id="{869C7EC8-944A-944C-992C-1A11877A7039}" type="datetimeFigureOut">
               <a:rPr lang="fr-FR" smtClean="0"/>
-              <a:t>04/09/2017</a:t>
+              <a:t>04/09/2018</a:t>
             </a:fld>
             <a:endParaRPr lang="fr-FR"/>
           </a:p>
@@ -825,7 +817,7 @@
           <a:p>
             <a:fld id="{360569F9-B728-364A-95CF-6725909BFE55}" type="slidenum">
               <a:rPr lang="fr-FR" smtClean="0"/>
-              <a:t>‹#›</a:t>
+              <a:t>‹N°›</a:t>
             </a:fld>
             <a:endParaRPr lang="fr-FR"/>
           </a:p>
@@ -886,10 +878,9 @@
           </a:lstStyle>
           <a:p>
             <a:r>
-              <a:rPr lang="fr-FR" smtClean="0"/>
+              <a:rPr lang="fr-FR"/>
               <a:t>Cliquez et modifiez le titre</a:t>
             </a:r>
-            <a:endParaRPr lang="fr-FR"/>
           </a:p>
         </p:txBody>
       </p:sp>
@@ -1006,7 +997,7 @@
           <a:p>
             <a:pPr lvl="0"/>
             <a:r>
-              <a:rPr lang="fr-FR" smtClean="0"/>
+              <a:rPr lang="fr-FR"/>
               <a:t>Cliquez pour modifier les styles du texte du masque</a:t>
             </a:r>
           </a:p>
@@ -1029,7 +1020,7 @@
           <a:p>
             <a:fld id="{869C7EC8-944A-944C-992C-1A11877A7039}" type="datetimeFigureOut">
               <a:rPr lang="fr-FR" smtClean="0"/>
-              <a:t>04/09/2017</a:t>
+              <a:t>04/09/2018</a:t>
             </a:fld>
             <a:endParaRPr lang="fr-FR"/>
           </a:p>
@@ -1071,7 +1062,7 @@
           <a:p>
             <a:fld id="{360569F9-B728-364A-95CF-6725909BFE55}" type="slidenum">
               <a:rPr lang="fr-FR" smtClean="0"/>
-              <a:t>‹#›</a:t>
+              <a:t>‹N°›</a:t>
             </a:fld>
             <a:endParaRPr lang="fr-FR"/>
           </a:p>
@@ -1123,10 +1114,9 @@
           <a:lstStyle/>
           <a:p>
             <a:r>
-              <a:rPr lang="fr-FR" smtClean="0"/>
+              <a:rPr lang="fr-FR"/>
               <a:t>Cliquez et modifiez le titre</a:t>
             </a:r>
-            <a:endParaRPr lang="fr-FR"/>
           </a:p>
         </p:txBody>
       </p:sp>
@@ -1152,38 +1142,37 @@
           <a:p>
             <a:pPr lvl="0"/>
             <a:r>
-              <a:rPr lang="fr-FR" smtClean="0"/>
+              <a:rPr lang="fr-FR"/>
               <a:t>Cliquez pour modifier les styles du texte du masque</a:t>
             </a:r>
           </a:p>
           <a:p>
             <a:pPr lvl="1"/>
             <a:r>
-              <a:rPr lang="fr-FR" smtClean="0"/>
+              <a:rPr lang="fr-FR"/>
               <a:t>Deuxième niveau</a:t>
             </a:r>
           </a:p>
           <a:p>
             <a:pPr lvl="2"/>
             <a:r>
-              <a:rPr lang="fr-FR" smtClean="0"/>
+              <a:rPr lang="fr-FR"/>
               <a:t>Troisième niveau</a:t>
             </a:r>
           </a:p>
           <a:p>
             <a:pPr lvl="3"/>
             <a:r>
-              <a:rPr lang="fr-FR" smtClean="0"/>
+              <a:rPr lang="fr-FR"/>
               <a:t>Quatrième niveau</a:t>
             </a:r>
           </a:p>
           <a:p>
             <a:pPr lvl="4"/>
             <a:r>
-              <a:rPr lang="fr-FR" smtClean="0"/>
+              <a:rPr lang="fr-FR"/>
               <a:t>Cinquième niveau</a:t>
             </a:r>
-            <a:endParaRPr lang="fr-FR"/>
           </a:p>
         </p:txBody>
       </p:sp>
@@ -1209,38 +1198,37 @@
           <a:p>
             <a:pPr lvl="0"/>
             <a:r>
-              <a:rPr lang="fr-FR" smtClean="0"/>
+              <a:rPr lang="fr-FR"/>
               <a:t>Cliquez pour modifier les styles du texte du masque</a:t>
             </a:r>
           </a:p>
           <a:p>
             <a:pPr lvl="1"/>
             <a:r>
-              <a:rPr lang="fr-FR" smtClean="0"/>
+              <a:rPr lang="fr-FR"/>
               <a:t>Deuxième niveau</a:t>
             </a:r>
           </a:p>
           <a:p>
             <a:pPr lvl="2"/>
             <a:r>
-              <a:rPr lang="fr-FR" smtClean="0"/>
+              <a:rPr lang="fr-FR"/>
               <a:t>Troisième niveau</a:t>
             </a:r>
           </a:p>
           <a:p>
             <a:pPr lvl="3"/>
             <a:r>
-              <a:rPr lang="fr-FR" smtClean="0"/>
+              <a:rPr lang="fr-FR"/>
               <a:t>Quatrième niveau</a:t>
             </a:r>
           </a:p>
           <a:p>
             <a:pPr lvl="4"/>
             <a:r>
-              <a:rPr lang="fr-FR" smtClean="0"/>
+              <a:rPr lang="fr-FR"/>
               <a:t>Cinquième niveau</a:t>
             </a:r>
-            <a:endParaRPr lang="fr-FR"/>
           </a:p>
         </p:txBody>
       </p:sp>
@@ -1261,7 +1249,7 @@
           <a:p>
             <a:fld id="{869C7EC8-944A-944C-992C-1A11877A7039}" type="datetimeFigureOut">
               <a:rPr lang="fr-FR" smtClean="0"/>
-              <a:t>04/09/2017</a:t>
+              <a:t>04/09/2018</a:t>
             </a:fld>
             <a:endParaRPr lang="fr-FR"/>
           </a:p>
@@ -1303,7 +1291,7 @@
           <a:p>
             <a:fld id="{360569F9-B728-364A-95CF-6725909BFE55}" type="slidenum">
               <a:rPr lang="fr-FR" smtClean="0"/>
-              <a:t>‹#›</a:t>
+              <a:t>‹N°›</a:t>
             </a:fld>
             <a:endParaRPr lang="fr-FR"/>
           </a:p>
@@ -1360,10 +1348,9 @@
           <a:lstStyle/>
           <a:p>
             <a:r>
-              <a:rPr lang="fr-FR" smtClean="0"/>
+              <a:rPr lang="fr-FR"/>
               <a:t>Cliquez et modifiez le titre</a:t>
             </a:r>
-            <a:endParaRPr lang="fr-FR"/>
           </a:p>
         </p:txBody>
       </p:sp>
@@ -1426,7 +1413,7 @@
           <a:p>
             <a:pPr lvl="0"/>
             <a:r>
-              <a:rPr lang="fr-FR" smtClean="0"/>
+              <a:rPr lang="fr-FR"/>
               <a:t>Cliquez pour modifier les styles du texte du masque</a:t>
             </a:r>
           </a:p>
@@ -1454,38 +1441,37 @@
           <a:p>
             <a:pPr lvl="0"/>
             <a:r>
-              <a:rPr lang="fr-FR" smtClean="0"/>
+              <a:rPr lang="fr-FR"/>
               <a:t>Cliquez pour modifier les styles du texte du masque</a:t>
             </a:r>
           </a:p>
           <a:p>
             <a:pPr lvl="1"/>
             <a:r>
-              <a:rPr lang="fr-FR" smtClean="0"/>
+              <a:rPr lang="fr-FR"/>
               <a:t>Deuxième niveau</a:t>
             </a:r>
           </a:p>
           <a:p>
             <a:pPr lvl="2"/>
             <a:r>
-              <a:rPr lang="fr-FR" smtClean="0"/>
+              <a:rPr lang="fr-FR"/>
               <a:t>Troisième niveau</a:t>
             </a:r>
           </a:p>
           <a:p>
             <a:pPr lvl="3"/>
             <a:r>
-              <a:rPr lang="fr-FR" smtClean="0"/>
+              <a:rPr lang="fr-FR"/>
               <a:t>Quatrième niveau</a:t>
             </a:r>
           </a:p>
           <a:p>
             <a:pPr lvl="4"/>
             <a:r>
-              <a:rPr lang="fr-FR" smtClean="0"/>
+              <a:rPr lang="fr-FR"/>
               <a:t>Cinquième niveau</a:t>
             </a:r>
-            <a:endParaRPr lang="fr-FR"/>
           </a:p>
         </p:txBody>
       </p:sp>
@@ -1548,7 +1534,7 @@
           <a:p>
             <a:pPr lvl="0"/>
             <a:r>
-              <a:rPr lang="fr-FR" smtClean="0"/>
+              <a:rPr lang="fr-FR"/>
               <a:t>Cliquez pour modifier les styles du texte du masque</a:t>
             </a:r>
           </a:p>
@@ -1576,38 +1562,37 @@
           <a:p>
             <a:pPr lvl="0"/>
             <a:r>
-              <a:rPr lang="fr-FR" smtClean="0"/>
+              <a:rPr lang="fr-FR"/>
               <a:t>Cliquez pour modifier les styles du texte du masque</a:t>
             </a:r>
           </a:p>
           <a:p>
             <a:pPr lvl="1"/>
             <a:r>
-              <a:rPr lang="fr-FR" smtClean="0"/>
+              <a:rPr lang="fr-FR"/>
               <a:t>Deuxième niveau</a:t>
             </a:r>
           </a:p>
           <a:p>
             <a:pPr lvl="2"/>
             <a:r>
-              <a:rPr lang="fr-FR" smtClean="0"/>
+              <a:rPr lang="fr-FR"/>
               <a:t>Troisième niveau</a:t>
             </a:r>
           </a:p>
           <a:p>
             <a:pPr lvl="3"/>
             <a:r>
-              <a:rPr lang="fr-FR" smtClean="0"/>
+              <a:rPr lang="fr-FR"/>
               <a:t>Quatrième niveau</a:t>
             </a:r>
           </a:p>
           <a:p>
             <a:pPr lvl="4"/>
             <a:r>
-              <a:rPr lang="fr-FR" smtClean="0"/>
+              <a:rPr lang="fr-FR"/>
               <a:t>Cinquième niveau</a:t>
             </a:r>
-            <a:endParaRPr lang="fr-FR"/>
           </a:p>
         </p:txBody>
       </p:sp>
@@ -1628,7 +1613,7 @@
           <a:p>
             <a:fld id="{869C7EC8-944A-944C-992C-1A11877A7039}" type="datetimeFigureOut">
               <a:rPr lang="fr-FR" smtClean="0"/>
-              <a:t>04/09/2017</a:t>
+              <a:t>04/09/2018</a:t>
             </a:fld>
             <a:endParaRPr lang="fr-FR"/>
           </a:p>
@@ -1670,7 +1655,7 @@
           <a:p>
             <a:fld id="{360569F9-B728-364A-95CF-6725909BFE55}" type="slidenum">
               <a:rPr lang="fr-FR" smtClean="0"/>
-              <a:t>‹#›</a:t>
+              <a:t>‹N°›</a:t>
             </a:fld>
             <a:endParaRPr lang="fr-FR"/>
           </a:p>
@@ -1722,10 +1707,9 @@
           <a:lstStyle/>
           <a:p>
             <a:r>
-              <a:rPr lang="fr-FR" smtClean="0"/>
+              <a:rPr lang="fr-FR"/>
               <a:t>Cliquez et modifiez le titre</a:t>
             </a:r>
-            <a:endParaRPr lang="fr-FR"/>
           </a:p>
         </p:txBody>
       </p:sp>
@@ -1746,7 +1730,7 @@
           <a:p>
             <a:fld id="{869C7EC8-944A-944C-992C-1A11877A7039}" type="datetimeFigureOut">
               <a:rPr lang="fr-FR" smtClean="0"/>
-              <a:t>04/09/2017</a:t>
+              <a:t>04/09/2018</a:t>
             </a:fld>
             <a:endParaRPr lang="fr-FR"/>
           </a:p>
@@ -1788,7 +1772,7 @@
           <a:p>
             <a:fld id="{360569F9-B728-364A-95CF-6725909BFE55}" type="slidenum">
               <a:rPr lang="fr-FR" smtClean="0"/>
-              <a:t>‹#›</a:t>
+              <a:t>‹N°›</a:t>
             </a:fld>
             <a:endParaRPr lang="fr-FR"/>
           </a:p>
@@ -1841,7 +1825,7 @@
           <a:p>
             <a:fld id="{869C7EC8-944A-944C-992C-1A11877A7039}" type="datetimeFigureOut">
               <a:rPr lang="fr-FR" smtClean="0"/>
-              <a:t>04/09/2017</a:t>
+              <a:t>04/09/2018</a:t>
             </a:fld>
             <a:endParaRPr lang="fr-FR"/>
           </a:p>
@@ -1883,7 +1867,7 @@
           <a:p>
             <a:fld id="{360569F9-B728-364A-95CF-6725909BFE55}" type="slidenum">
               <a:rPr lang="fr-FR" smtClean="0"/>
-              <a:t>‹#›</a:t>
+              <a:t>‹N°›</a:t>
             </a:fld>
             <a:endParaRPr lang="fr-FR"/>
           </a:p>
@@ -1944,10 +1928,9 @@
           </a:lstStyle>
           <a:p>
             <a:r>
-              <a:rPr lang="fr-FR" smtClean="0"/>
+              <a:rPr lang="fr-FR"/>
               <a:t>Cliquez et modifiez le titre</a:t>
             </a:r>
-            <a:endParaRPr lang="fr-FR"/>
           </a:p>
         </p:txBody>
       </p:sp>
@@ -2001,38 +1984,37 @@
           <a:p>
             <a:pPr lvl="0"/>
             <a:r>
-              <a:rPr lang="fr-FR" smtClean="0"/>
+              <a:rPr lang="fr-FR"/>
               <a:t>Cliquez pour modifier les styles du texte du masque</a:t>
             </a:r>
           </a:p>
           <a:p>
             <a:pPr lvl="1"/>
             <a:r>
-              <a:rPr lang="fr-FR" smtClean="0"/>
+              <a:rPr lang="fr-FR"/>
               <a:t>Deuxième niveau</a:t>
             </a:r>
           </a:p>
           <a:p>
             <a:pPr lvl="2"/>
             <a:r>
-              <a:rPr lang="fr-FR" smtClean="0"/>
+              <a:rPr lang="fr-FR"/>
               <a:t>Troisième niveau</a:t>
             </a:r>
           </a:p>
           <a:p>
             <a:pPr lvl="3"/>
             <a:r>
-              <a:rPr lang="fr-FR" smtClean="0"/>
+              <a:rPr lang="fr-FR"/>
               <a:t>Quatrième niveau</a:t>
             </a:r>
           </a:p>
           <a:p>
             <a:pPr lvl="4"/>
             <a:r>
-              <a:rPr lang="fr-FR" smtClean="0"/>
+              <a:rPr lang="fr-FR"/>
               <a:t>Cinquième niveau</a:t>
             </a:r>
-            <a:endParaRPr lang="fr-FR"/>
           </a:p>
         </p:txBody>
       </p:sp>
@@ -2095,7 +2077,7 @@
           <a:p>
             <a:pPr lvl="0"/>
             <a:r>
-              <a:rPr lang="fr-FR" smtClean="0"/>
+              <a:rPr lang="fr-FR"/>
               <a:t>Cliquez pour modifier les styles du texte du masque</a:t>
             </a:r>
           </a:p>
@@ -2118,7 +2100,7 @@
           <a:p>
             <a:fld id="{869C7EC8-944A-944C-992C-1A11877A7039}" type="datetimeFigureOut">
               <a:rPr lang="fr-FR" smtClean="0"/>
-              <a:t>04/09/2017</a:t>
+              <a:t>04/09/2018</a:t>
             </a:fld>
             <a:endParaRPr lang="fr-FR"/>
           </a:p>
@@ -2160,7 +2142,7 @@
           <a:p>
             <a:fld id="{360569F9-B728-364A-95CF-6725909BFE55}" type="slidenum">
               <a:rPr lang="fr-FR" smtClean="0"/>
-              <a:t>‹#›</a:t>
+              <a:t>‹N°›</a:t>
             </a:fld>
             <a:endParaRPr lang="fr-FR"/>
           </a:p>
@@ -2221,10 +2203,9 @@
           </a:lstStyle>
           <a:p>
             <a:r>
-              <a:rPr lang="fr-FR" smtClean="0"/>
+              <a:rPr lang="fr-FR"/>
               <a:t>Cliquez et modifiez le titre</a:t>
             </a:r>
-            <a:endParaRPr lang="fr-FR"/>
           </a:p>
         </p:txBody>
       </p:sp>
@@ -2348,7 +2329,7 @@
           <a:p>
             <a:pPr lvl="0"/>
             <a:r>
-              <a:rPr lang="fr-FR" smtClean="0"/>
+              <a:rPr lang="fr-FR"/>
               <a:t>Cliquez pour modifier les styles du texte du masque</a:t>
             </a:r>
           </a:p>
@@ -2371,7 +2352,7 @@
           <a:p>
             <a:fld id="{869C7EC8-944A-944C-992C-1A11877A7039}" type="datetimeFigureOut">
               <a:rPr lang="fr-FR" smtClean="0"/>
-              <a:t>04/09/2017</a:t>
+              <a:t>04/09/2018</a:t>
             </a:fld>
             <a:endParaRPr lang="fr-FR"/>
           </a:p>
@@ -2413,7 +2394,7 @@
           <a:p>
             <a:fld id="{360569F9-B728-364A-95CF-6725909BFE55}" type="slidenum">
               <a:rPr lang="fr-FR" smtClean="0"/>
-              <a:t>‹#›</a:t>
+              <a:t>‹N°›</a:t>
             </a:fld>
             <a:endParaRPr lang="fr-FR"/>
           </a:p>
@@ -2480,10 +2461,9 @@
           <a:lstStyle/>
           <a:p>
             <a:r>
-              <a:rPr lang="fr-FR" smtClean="0"/>
+              <a:rPr lang="fr-FR"/>
               <a:t>Cliquez et modifiez le titre</a:t>
             </a:r>
-            <a:endParaRPr lang="fr-FR"/>
           </a:p>
         </p:txBody>
       </p:sp>
@@ -2514,38 +2494,37 @@
           <a:p>
             <a:pPr lvl="0"/>
             <a:r>
-              <a:rPr lang="fr-FR" smtClean="0"/>
+              <a:rPr lang="fr-FR"/>
               <a:t>Cliquez pour modifier les styles du texte du masque</a:t>
             </a:r>
           </a:p>
           <a:p>
             <a:pPr lvl="1"/>
             <a:r>
-              <a:rPr lang="fr-FR" smtClean="0"/>
+              <a:rPr lang="fr-FR"/>
               <a:t>Deuxième niveau</a:t>
             </a:r>
           </a:p>
           <a:p>
             <a:pPr lvl="2"/>
             <a:r>
-              <a:rPr lang="fr-FR" smtClean="0"/>
+              <a:rPr lang="fr-FR"/>
               <a:t>Troisième niveau</a:t>
             </a:r>
           </a:p>
           <a:p>
             <a:pPr lvl="3"/>
             <a:r>
-              <a:rPr lang="fr-FR" smtClean="0"/>
+              <a:rPr lang="fr-FR"/>
               <a:t>Quatrième niveau</a:t>
             </a:r>
           </a:p>
           <a:p>
             <a:pPr lvl="4"/>
             <a:r>
-              <a:rPr lang="fr-FR" smtClean="0"/>
+              <a:rPr lang="fr-FR"/>
               <a:t>Cinquième niveau</a:t>
             </a:r>
-            <a:endParaRPr lang="fr-FR"/>
           </a:p>
         </p:txBody>
       </p:sp>
@@ -2584,7 +2563,7 @@
           <a:p>
             <a:fld id="{869C7EC8-944A-944C-992C-1A11877A7039}" type="datetimeFigureOut">
               <a:rPr lang="fr-FR" smtClean="0"/>
-              <a:t>04/09/2017</a:t>
+              <a:t>04/09/2018</a:t>
             </a:fld>
             <a:endParaRPr lang="fr-FR"/>
           </a:p>
@@ -2662,7 +2641,7 @@
           <a:p>
             <a:fld id="{360569F9-B728-364A-95CF-6725909BFE55}" type="slidenum">
               <a:rPr lang="fr-FR" smtClean="0"/>
-              <a:t>‹#›</a:t>
+              <a:t>‹N°›</a:t>
             </a:fld>
             <a:endParaRPr lang="fr-FR"/>
           </a:p>
@@ -3005,17 +2984,16 @@
           <a:lstStyle/>
           <a:p>
             <a:r>
-              <a:rPr lang="fr-FR" dirty="0" smtClean="0"/>
+              <a:rPr lang="fr-FR" dirty="0"/>
               <a:t>Projet Python </a:t>
             </a:r>
             <a:br>
-              <a:rPr lang="fr-FR" dirty="0" smtClean="0"/>
+              <a:rPr lang="fr-FR" dirty="0"/>
             </a:br>
             <a:r>
-              <a:rPr lang="fr-FR" dirty="0" smtClean="0"/>
+              <a:rPr lang="fr-FR" dirty="0"/>
               <a:t>BFA - 3</a:t>
             </a:r>
-            <a:endParaRPr lang="fr-FR" dirty="0"/>
           </a:p>
         </p:txBody>
       </p:sp>
@@ -3048,13 +3026,6 @@
   <p:clrMapOvr>
     <a:masterClrMapping/>
   </p:clrMapOvr>
-  <p:timing>
-    <p:tnLst>
-      <p:par>
-        <p:cTn id="1" dur="indefinite" restart="never" nodeType="tmRoot"/>
-      </p:par>
-    </p:tnLst>
-  </p:timing>
 </p:sld>
 </file>
 
@@ -3091,15 +3062,14 @@
           <a:lstStyle/>
           <a:p>
             <a:r>
-              <a:rPr lang="fr-FR" dirty="0" smtClean="0"/>
+              <a:rPr lang="fr-FR" dirty="0"/>
               <a:t>Sharp ratio</a:t>
             </a:r>
-            <a:endParaRPr lang="fr-FR" dirty="0"/>
-          </a:p>
-        </p:txBody>
-      </p:sp>
-      <mc:AlternateContent xmlns:mc="http://schemas.openxmlformats.org/markup-compatibility/2006">
-        <mc:Choice xmlns:a14="http://schemas.microsoft.com/office/drawing/2010/main" Requires="a14">
+          </a:p>
+        </p:txBody>
+      </p:sp>
+      <mc:AlternateContent xmlns:mc="http://schemas.openxmlformats.org/markup-compatibility/2006" xmlns:a14="http://schemas.microsoft.com/office/drawing/2010/main">
+        <mc:Choice Requires="a14">
           <p:sp>
             <p:nvSpPr>
               <p:cNvPr id="3" name="Espace réservé du contenu 2"/>
@@ -3121,7 +3091,7 @@
                       <m:sSubPr>
                         <m:ctrlPr>
                           <a:rPr lang="en-US" b="0" i="1" smtClean="0">
-                            <a:latin typeface="Cambria Math" charset="0"/>
+                            <a:latin typeface="Cambria Math" panose="02040503050406030204" pitchFamily="18" charset="0"/>
                           </a:rPr>
                         </m:ctrlPr>
                       </m:sSubPr>
@@ -3152,7 +3122,7 @@
                       <m:fPr>
                         <m:ctrlPr>
                           <a:rPr lang="mr-IN" b="0" i="1" smtClean="0">
-                            <a:latin typeface="Cambria Math" charset="0"/>
+                            <a:latin typeface="Cambria Math" panose="02040503050406030204" pitchFamily="18" charset="0"/>
                           </a:rPr>
                         </m:ctrlPr>
                       </m:fPr>
@@ -3170,7 +3140,7 @@
                             <m:degHide m:val="on"/>
                             <m:ctrlPr>
                               <a:rPr lang="mr-IN" b="0" i="1" smtClean="0">
-                                <a:latin typeface="Cambria Math" charset="0"/>
+                                <a:latin typeface="Cambria Math" panose="02040503050406030204" pitchFamily="18" charset="0"/>
                               </a:rPr>
                             </m:ctrlPr>
                           </m:radPr>
@@ -3190,7 +3160,7 @@
                       <m:fPr>
                         <m:ctrlPr>
                           <a:rPr lang="mr-IN" b="0" i="1" smtClean="0">
-                            <a:latin typeface="Cambria Math" charset="0"/>
+                            <a:latin typeface="Cambria Math" panose="02040503050406030204" pitchFamily="18" charset="0"/>
                           </a:rPr>
                         </m:ctrlPr>
                       </m:fPr>
@@ -3199,7 +3169,7 @@
                           <m:fPr>
                             <m:ctrlPr>
                               <a:rPr lang="fr-FR" b="0" i="1" smtClean="0">
-                                <a:latin typeface="Cambria Math" charset="0"/>
+                                <a:latin typeface="Cambria Math" panose="02040503050406030204" pitchFamily="18" charset="0"/>
                               </a:rPr>
                             </m:ctrlPr>
                           </m:fPr>
@@ -3225,7 +3195,7 @@
                             <m:chr m:val="∑"/>
                             <m:ctrlPr>
                               <a:rPr lang="is-IS" b="0" i="1" smtClean="0">
-                                <a:latin typeface="Cambria Math" charset="0"/>
+                                <a:latin typeface="Cambria Math" panose="02040503050406030204" pitchFamily="18" charset="0"/>
                               </a:rPr>
                             </m:ctrlPr>
                           </m:naryPr>
@@ -3243,13 +3213,7 @@
                               <a:rPr lang="fr-FR" b="0" i="1" smtClean="0">
                                 <a:latin typeface="Cambria Math" charset="0"/>
                               </a:rPr>
-                              <m:t>=</m:t>
-                            </m:r>
-                            <m:r>
-                              <a:rPr lang="fr-FR" b="0" i="1" smtClean="0">
-                                <a:latin typeface="Cambria Math" charset="0"/>
-                              </a:rPr>
-                              <m:t>0</m:t>
+                              <m:t>=0</m:t>
                             </m:r>
                           </m:sub>
                           <m:sup>
@@ -3265,7 +3229,7 @@
                               <m:sSubPr>
                                 <m:ctrlPr>
                                   <a:rPr lang="en-US" b="0" i="1" smtClean="0">
-                                    <a:latin typeface="Cambria Math" charset="0"/>
+                                    <a:latin typeface="Cambria Math" panose="02040503050406030204" pitchFamily="18" charset="0"/>
                                   </a:rPr>
                                 </m:ctrlPr>
                               </m:sSubPr>
@@ -3294,7 +3258,7 @@
                           <m:sSubPr>
                             <m:ctrlPr>
                               <a:rPr lang="en-US" b="0" i="1" smtClean="0">
-                                <a:latin typeface="Cambria Math" charset="0"/>
+                                <a:latin typeface="Cambria Math" panose="02040503050406030204" pitchFamily="18" charset="0"/>
                               </a:rPr>
                             </m:ctrlPr>
                           </m:sSubPr>
@@ -3324,7 +3288,7 @@
             </p:txBody>
           </p:sp>
         </mc:Choice>
-        <mc:Fallback>
+        <mc:Fallback xmlns="">
           <p:sp>
             <p:nvSpPr>
               <p:cNvPr id="3" name="Espace réservé du contenu 2"/>
@@ -3368,13 +3332,6 @@
   <p:clrMapOvr>
     <a:masterClrMapping/>
   </p:clrMapOvr>
-  <p:timing>
-    <p:tnLst>
-      <p:par>
-        <p:cTn id="1" dur="indefinite" restart="never" nodeType="tmRoot"/>
-      </p:par>
-    </p:tnLst>
-  </p:timing>
 </p:sld>
 </file>
 
@@ -3430,7 +3387,6 @@
               <a:rPr lang="fr-FR" dirty="0"/>
               <a:t>/BFA3</a:t>
             </a:r>
-            <a:endParaRPr lang="fr-FR" dirty="0"/>
           </a:p>
         </p:txBody>
       </p:sp>
@@ -3450,33 +3406,33 @@
           <a:lstStyle/>
           <a:p>
             <a:r>
-              <a:rPr lang="fr-FR" dirty="0" smtClean="0"/>
+              <a:rPr lang="fr-FR" dirty="0"/>
               <a:t>Projet avec python:</a:t>
             </a:r>
           </a:p>
           <a:p>
             <a:pPr lvl="1"/>
             <a:r>
-              <a:rPr lang="fr-FR" dirty="0" err="1" smtClean="0"/>
+              <a:rPr lang="fr-FR" dirty="0" err="1"/>
               <a:t>Jupyter</a:t>
             </a:r>
             <a:r>
-              <a:rPr lang="fr-FR" dirty="0" smtClean="0"/>
+              <a:rPr lang="fr-FR" dirty="0"/>
               <a:t> notebook</a:t>
             </a:r>
           </a:p>
           <a:p>
             <a:pPr lvl="1"/>
             <a:r>
-              <a:rPr lang="fr-FR" dirty="0" smtClean="0"/>
+              <a:rPr lang="fr-FR" dirty="0"/>
               <a:t>Libraire </a:t>
             </a:r>
             <a:r>
-              <a:rPr lang="fr-FR" b="1" dirty="0" err="1" smtClean="0"/>
+              <a:rPr lang="fr-FR" b="1" dirty="0" err="1"/>
               <a:t>Numpy</a:t>
             </a:r>
             <a:r>
-              <a:rPr lang="fr-FR" dirty="0" smtClean="0"/>
+              <a:rPr lang="fr-FR" dirty="0"/>
               <a:t> : </a:t>
             </a:r>
           </a:p>
@@ -3511,39 +3467,39 @@
               <a:t> </a:t>
             </a:r>
             <a:r>
-              <a:rPr lang="fr-FR" dirty="0" err="1" smtClean="0"/>
+              <a:rPr lang="fr-FR" dirty="0" err="1"/>
               <a:t>NumPy</a:t>
             </a:r>
             <a:r>
-              <a:rPr lang="fr-FR" dirty="0" smtClean="0"/>
+              <a:rPr lang="fr-FR" dirty="0"/>
               <a:t> : </a:t>
             </a:r>
             <a:r>
-              <a:rPr lang="fr-FR" b="1" dirty="0" smtClean="0">
+              <a:rPr lang="fr-FR" b="1" dirty="0">
                 <a:hlinkClick r:id="rId2"/>
               </a:rPr>
               <a:t>https://youtu.be/lKcwuPnSHIQ</a:t>
             </a:r>
-            <a:endParaRPr lang="fr-FR" b="1" dirty="0" smtClean="0"/>
+            <a:endParaRPr lang="fr-FR" b="1" dirty="0"/>
           </a:p>
           <a:p>
             <a:pPr lvl="2"/>
             <a:r>
-              <a:rPr lang="fr-FR" b="1" dirty="0" smtClean="0">
+              <a:rPr lang="fr-FR" b="1" dirty="0">
                 <a:hlinkClick r:id="rId3"/>
               </a:rPr>
               <a:t>https://github.com/enthought/Numpy-Tutorial-SciPyConf-2017</a:t>
             </a:r>
-            <a:endParaRPr lang="fr-FR" b="1" dirty="0" smtClean="0"/>
+            <a:endParaRPr lang="fr-FR" b="1" dirty="0"/>
           </a:p>
           <a:p>
             <a:pPr lvl="1"/>
             <a:r>
-              <a:rPr lang="fr-FR" dirty="0" smtClean="0"/>
+              <a:rPr lang="fr-FR" dirty="0"/>
               <a:t>Libraire </a:t>
             </a:r>
             <a:r>
-              <a:rPr lang="fr-FR" b="1" dirty="0" smtClean="0"/>
+              <a:rPr lang="fr-FR" b="1" dirty="0"/>
               <a:t>Pandas</a:t>
             </a:r>
           </a:p>
@@ -3559,25 +3515,15 @@
             </a:r>
             <a:r>
               <a:rPr lang="fr-FR" dirty="0"/>
-              <a:t> </a:t>
-            </a:r>
-            <a:r>
-              <a:rPr lang="fr-FR" dirty="0" smtClean="0"/>
-              <a:t>: </a:t>
-            </a:r>
-            <a:r>
-              <a:rPr lang="fr-FR" b="1" dirty="0" smtClean="0">
+              <a:t> : </a:t>
+            </a:r>
+            <a:r>
+              <a:rPr lang="fr-FR" b="1" dirty="0">
                 <a:hlinkClick r:id="rId4"/>
               </a:rPr>
-              <a:t>https://</a:t>
-            </a:r>
-            <a:r>
-              <a:rPr lang="fr-FR" b="1" dirty="0" smtClean="0">
-                <a:hlinkClick r:id="rId4"/>
-              </a:rPr>
-              <a:t>youtu.be/oGzU688xCUs</a:t>
-            </a:r>
-            <a:endParaRPr lang="fr-FR" b="1" dirty="0" smtClean="0"/>
+              <a:t>https://youtu.be/oGzU688xCUs</a:t>
+            </a:r>
+            <a:endParaRPr lang="fr-FR" b="1" dirty="0"/>
           </a:p>
           <a:p>
             <a:pPr lvl="2"/>
@@ -3585,31 +3531,19 @@
               <a:rPr lang="fr-FR" b="1" dirty="0">
                 <a:hlinkClick r:id="rId5"/>
               </a:rPr>
-              <a:t>https://pandas.pydata.org/pandas-docs/stable</a:t>
-            </a:r>
-            <a:r>
-              <a:rPr lang="fr-FR" b="1" dirty="0" smtClean="0">
-                <a:hlinkClick r:id="rId5"/>
-              </a:rPr>
-              <a:t>/</a:t>
-            </a:r>
-            <a:endParaRPr lang="fr-FR" b="1" dirty="0" smtClean="0"/>
+              <a:t>https://pandas.pydata.org/pandas-docs/stable/</a:t>
+            </a:r>
+            <a:endParaRPr lang="fr-FR" b="1" dirty="0"/>
           </a:p>
           <a:p>
             <a:pPr lvl="2"/>
             <a:r>
-              <a:rPr lang="fr-FR" b="1" dirty="0" smtClean="0">
+              <a:rPr lang="fr-FR" b="1" dirty="0">
                 <a:hlinkClick r:id="rId6"/>
               </a:rPr>
-              <a:t>https://</a:t>
-            </a:r>
-            <a:r>
-              <a:rPr lang="fr-FR" b="1" dirty="0" smtClean="0">
-                <a:hlinkClick r:id="rId6"/>
-              </a:rPr>
-              <a:t>github.com/chendaniely/scipy-2017-tutorial-pandas</a:t>
-            </a:r>
-            <a:endParaRPr lang="fr-FR" b="1" dirty="0" smtClean="0"/>
+              <a:t>https://github.com/chendaniely/scipy-2017-tutorial-pandas</a:t>
+            </a:r>
+            <a:endParaRPr lang="fr-FR" b="1" dirty="0"/>
           </a:p>
           <a:p>
             <a:pPr lvl="1"/>
@@ -3617,15 +3551,9 @@
               <a:rPr lang="fr-FR" b="1" dirty="0">
                 <a:hlinkClick r:id="rId7"/>
               </a:rPr>
-              <a:t>https://www.quandl.com</a:t>
-            </a:r>
-            <a:r>
-              <a:rPr lang="fr-FR" b="1" dirty="0" smtClean="0">
-                <a:hlinkClick r:id="rId7"/>
-              </a:rPr>
-              <a:t>/</a:t>
-            </a:r>
-            <a:endParaRPr lang="fr-FR" b="1" dirty="0" smtClean="0"/>
+              <a:t>https://www.quandl.com/</a:t>
+            </a:r>
+            <a:endParaRPr lang="fr-FR" b="1" dirty="0"/>
           </a:p>
           <a:p>
             <a:pPr lvl="1"/>
@@ -3633,19 +3561,13 @@
               <a:rPr lang="fr-FR" b="1" dirty="0">
                 <a:hlinkClick r:id="rId8"/>
               </a:rPr>
-              <a:t>https://</a:t>
-            </a:r>
-            <a:r>
-              <a:rPr lang="fr-FR" b="1" dirty="0" smtClean="0">
-                <a:hlinkClick r:id="rId8"/>
-              </a:rPr>
-              <a:t>www.quantopian.com/home</a:t>
-            </a:r>
-            <a:endParaRPr lang="fr-FR" b="1" dirty="0" smtClean="0"/>
+              <a:t>https://www.quantopian.com/home</a:t>
+            </a:r>
+            <a:endParaRPr lang="fr-FR" b="1" dirty="0"/>
           </a:p>
           <a:p>
             <a:pPr lvl="1"/>
-            <a:endParaRPr lang="fr-FR" b="1" dirty="0" smtClean="0"/>
+            <a:endParaRPr lang="fr-FR" b="1" dirty="0"/>
           </a:p>
         </p:txBody>
       </p:sp>
@@ -3707,13 +3629,6 @@
   <p:clrMapOvr>
     <a:masterClrMapping/>
   </p:clrMapOvr>
-  <p:timing>
-    <p:tnLst>
-      <p:par>
-        <p:cTn id="1" dur="indefinite" restart="never" nodeType="tmRoot"/>
-      </p:par>
-    </p:tnLst>
-  </p:timing>
 </p:sld>
 </file>
 
@@ -3736,7 +3651,13 @@
       </p:grpSpPr>
       <p:sp>
         <p:nvSpPr>
-          <p:cNvPr id="2" name="Titre 1"/>
+          <p:cNvPr id="2" name="Titre 1">
+            <a:extLst>
+              <a:ext uri="{FF2B5EF4-FFF2-40B4-BE49-F238E27FC236}">
+                <a16:creationId xmlns:a16="http://schemas.microsoft.com/office/drawing/2014/main" id="{6ABC4F68-2EF7-C64B-A54B-CC74457D88E7}"/>
+              </a:ext>
+            </a:extLst>
+          </p:cNvPr>
           <p:cNvSpPr>
             <a:spLocks noGrp="1"/>
           </p:cNvSpPr>
@@ -3750,16 +3671,30 @@
           <a:lstStyle/>
           <a:p>
             <a:r>
-              <a:rPr lang="fr-FR" dirty="0" smtClean="0"/>
-              <a:t>Accès aux données financières </a:t>
-            </a:r>
-            <a:endParaRPr lang="fr-FR" dirty="0"/>
+              <a:rPr lang="fr-FR" dirty="0"/>
+              <a:t>Accès aux données financières: </a:t>
+            </a:r>
+            <a:r>
+              <a:rPr lang="en-US" dirty="0"/>
+              <a:t>Install </a:t>
+            </a:r>
+            <a:r>
+              <a:rPr lang="en-US" dirty="0" err="1"/>
+              <a:t>quandl</a:t>
+            </a:r>
+            <a:endParaRPr lang="en-US" dirty="0"/>
           </a:p>
         </p:txBody>
       </p:sp>
       <p:pic>
         <p:nvPicPr>
-          <p:cNvPr id="4" name="Espace réservé du contenu 3"/>
+          <p:cNvPr id="6" name="Espace réservé du contenu 5">
+            <a:extLst>
+              <a:ext uri="{FF2B5EF4-FFF2-40B4-BE49-F238E27FC236}">
+                <a16:creationId xmlns:a16="http://schemas.microsoft.com/office/drawing/2014/main" id="{8BAE52FB-F1E9-4A49-9C3F-7A2715D10334}"/>
+              </a:ext>
+            </a:extLst>
+          </p:cNvPr>
           <p:cNvPicPr>
             <a:picLocks noGrp="1" noChangeAspect="1"/>
           </p:cNvPicPr>
@@ -3768,41 +3703,28 @@
           </p:nvPr>
         </p:nvPicPr>
         <p:blipFill>
-          <a:blip r:embed="rId2">
-            <a:extLst>
-              <a:ext uri="{28A0092B-C50C-407E-A947-70E740481C1C}">
-                <a14:useLocalDpi xmlns:a14="http://schemas.microsoft.com/office/drawing/2010/main" val="0"/>
-              </a:ext>
-            </a:extLst>
-          </a:blip>
+          <a:blip r:embed="rId2"/>
           <a:stretch>
             <a:fillRect/>
           </a:stretch>
         </p:blipFill>
         <p:spPr>
           <a:xfrm>
-            <a:off x="1450143" y="1916013"/>
-            <a:ext cx="9569151" cy="4941987"/>
+            <a:off x="3233226" y="1851383"/>
+            <a:ext cx="5107361" cy="4351338"/>
           </a:xfrm>
         </p:spPr>
       </p:pic>
     </p:spTree>
     <p:extLst>
       <p:ext uri="{BB962C8B-B14F-4D97-AF65-F5344CB8AC3E}">
-        <p14:creationId xmlns:p14="http://schemas.microsoft.com/office/powerpoint/2010/main" val="1478597455"/>
+        <p14:creationId xmlns:p14="http://schemas.microsoft.com/office/powerpoint/2010/main" val="1784579326"/>
       </p:ext>
     </p:extLst>
   </p:cSld>
   <p:clrMapOvr>
     <a:masterClrMapping/>
   </p:clrMapOvr>
-  <p:timing>
-    <p:tnLst>
-      <p:par>
-        <p:cTn id="1" dur="indefinite" restart="never" nodeType="tmRoot"/>
-      </p:par>
-    </p:tnLst>
-  </p:timing>
 </p:sld>
 </file>
 
@@ -3825,7 +3747,13 @@
       </p:grpSpPr>
       <p:sp>
         <p:nvSpPr>
-          <p:cNvPr id="2" name="Titre 1"/>
+          <p:cNvPr id="2" name="Titre 1">
+            <a:extLst>
+              <a:ext uri="{FF2B5EF4-FFF2-40B4-BE49-F238E27FC236}">
+                <a16:creationId xmlns:a16="http://schemas.microsoft.com/office/drawing/2014/main" id="{6ABC4F68-2EF7-C64B-A54B-CC74457D88E7}"/>
+              </a:ext>
+            </a:extLst>
+          </p:cNvPr>
           <p:cNvSpPr>
             <a:spLocks noGrp="1"/>
           </p:cNvSpPr>
@@ -3839,20 +3767,38 @@
           <a:lstStyle/>
           <a:p>
             <a:r>
-              <a:rPr lang="fr-FR" dirty="0" smtClean="0"/>
-              <a:t>Accès </a:t>
-            </a:r>
-            <a:r>
-              <a:rPr lang="fr-FR" dirty="0"/>
-              <a:t>aux données financières </a:t>
-            </a:r>
-            <a:endParaRPr lang="fr-FR" dirty="0"/>
+              <a:rPr lang="fr-FR" dirty="0"/>
+              <a:t>Accès aux données financières: </a:t>
+            </a:r>
+            <a:r>
+              <a:rPr lang="en-US" dirty="0"/>
+              <a:t>u</a:t>
+            </a:r>
+            <a:r>
+              <a:rPr lang="en-US"/>
+              <a:t>tiliser</a:t>
+            </a:r>
+            <a:r>
+              <a:rPr lang="en-US" dirty="0"/>
+              <a:t> </a:t>
+            </a:r>
+            <a:r>
+              <a:rPr lang="en-US" dirty="0" err="1"/>
+              <a:t>quandl</a:t>
+            </a:r>
+            <a:endParaRPr lang="en-US" dirty="0"/>
           </a:p>
         </p:txBody>
       </p:sp>
       <p:pic>
         <p:nvPicPr>
-          <p:cNvPr id="4" name="Espace réservé du contenu 3"/>
+          <p:cNvPr id="7" name="Espace réservé du contenu 6">
+            <a:extLst>
+              <a:ext uri="{FF2B5EF4-FFF2-40B4-BE49-F238E27FC236}">
+                <a16:creationId xmlns:a16="http://schemas.microsoft.com/office/drawing/2014/main" id="{00B5CE55-E2B8-1D4D-B5E3-2534C00D0F7C}"/>
+              </a:ext>
+            </a:extLst>
+          </p:cNvPr>
           <p:cNvPicPr>
             <a:picLocks noGrp="1" noChangeAspect="1"/>
           </p:cNvPicPr>
@@ -3861,41 +3807,28 @@
           </p:nvPr>
         </p:nvPicPr>
         <p:blipFill>
-          <a:blip r:embed="rId2">
-            <a:extLst>
-              <a:ext uri="{28A0092B-C50C-407E-A947-70E740481C1C}">
-                <a14:useLocalDpi xmlns:a14="http://schemas.microsoft.com/office/drawing/2010/main" val="0"/>
-              </a:ext>
-            </a:extLst>
-          </a:blip>
+          <a:blip r:embed="rId2"/>
           <a:stretch>
             <a:fillRect/>
           </a:stretch>
         </p:blipFill>
         <p:spPr>
           <a:xfrm>
-            <a:off x="2082048" y="1825625"/>
-            <a:ext cx="8027903" cy="4351338"/>
+            <a:off x="1607118" y="1519238"/>
+            <a:ext cx="8977764" cy="5167312"/>
           </a:xfrm>
         </p:spPr>
       </p:pic>
     </p:spTree>
     <p:extLst>
       <p:ext uri="{BB962C8B-B14F-4D97-AF65-F5344CB8AC3E}">
-        <p14:creationId xmlns:p14="http://schemas.microsoft.com/office/powerpoint/2010/main" val="1755094576"/>
+        <p14:creationId xmlns:p14="http://schemas.microsoft.com/office/powerpoint/2010/main" val="988963515"/>
       </p:ext>
     </p:extLst>
   </p:cSld>
   <p:clrMapOvr>
     <a:masterClrMapping/>
   </p:clrMapOvr>
-  <p:timing>
-    <p:tnLst>
-      <p:par>
-        <p:cTn id="1" dur="indefinite" restart="never" nodeType="tmRoot"/>
-      </p:par>
-    </p:tnLst>
-  </p:timing>
 </p:sld>
 </file>
 
@@ -3932,10 +3865,9 @@
           <a:lstStyle/>
           <a:p>
             <a:r>
-              <a:rPr lang="fr-FR" dirty="0" smtClean="0"/>
+              <a:rPr lang="fr-FR" dirty="0"/>
               <a:t>1- Création de procédures pour la simulation de portfolio</a:t>
             </a:r>
-            <a:endParaRPr lang="fr-FR" dirty="0"/>
           </a:p>
         </p:txBody>
       </p:sp>
@@ -3955,48 +3887,48 @@
           <a:lstStyle/>
           <a:p>
             <a:r>
-              <a:rPr lang="fr-FR" dirty="0" smtClean="0"/>
+              <a:rPr lang="fr-FR" dirty="0"/>
               <a:t>Input</a:t>
             </a:r>
           </a:p>
           <a:p>
             <a:pPr lvl="1"/>
             <a:r>
-              <a:rPr lang="fr-FR" dirty="0" smtClean="0"/>
+              <a:rPr lang="fr-FR" dirty="0"/>
               <a:t>Période considéré</a:t>
             </a:r>
           </a:p>
           <a:p>
             <a:pPr lvl="1"/>
             <a:r>
-              <a:rPr lang="fr-FR" dirty="0" smtClean="0"/>
+              <a:rPr lang="fr-FR" dirty="0"/>
               <a:t>Liste d’ordres d’achat</a:t>
             </a:r>
           </a:p>
           <a:p>
             <a:pPr lvl="1"/>
             <a:r>
-              <a:rPr lang="fr-FR" dirty="0" smtClean="0"/>
+              <a:rPr lang="fr-FR" dirty="0"/>
               <a:t>Capital initiale</a:t>
             </a:r>
           </a:p>
           <a:p>
             <a:r>
-              <a:rPr lang="fr-FR" dirty="0" smtClean="0"/>
+              <a:rPr lang="fr-FR" dirty="0"/>
               <a:t>Output</a:t>
             </a:r>
           </a:p>
           <a:p>
             <a:pPr lvl="1"/>
             <a:r>
-              <a:rPr lang="fr-FR" dirty="0" smtClean="0"/>
+              <a:rPr lang="fr-FR" dirty="0"/>
               <a:t>Evolution du capitale</a:t>
             </a:r>
           </a:p>
           <a:p>
             <a:pPr lvl="1"/>
             <a:r>
-              <a:rPr lang="fr-FR" dirty="0" smtClean="0"/>
+              <a:rPr lang="fr-FR" dirty="0"/>
               <a:t>Evolution de la valeur du portfolio</a:t>
             </a:r>
           </a:p>
@@ -4012,13 +3944,6 @@
   <p:clrMapOvr>
     <a:masterClrMapping/>
   </p:clrMapOvr>
-  <p:timing>
-    <p:tnLst>
-      <p:par>
-        <p:cTn id="1" dur="indefinite" restart="never" nodeType="tmRoot"/>
-      </p:par>
-    </p:tnLst>
-  </p:timing>
 </p:sld>
 </file>
 
@@ -4055,139 +3980,115 @@
           <a:lstStyle/>
           <a:p>
             <a:r>
-              <a:rPr lang="fr-FR" dirty="0" smtClean="0"/>
-              <a:t>2 - </a:t>
-            </a:r>
-            <a:r>
-              <a:rPr lang="fr-FR" dirty="0"/>
-              <a:t>Création de </a:t>
-            </a:r>
-            <a:r>
-              <a:rPr lang="fr-FR" dirty="0" smtClean="0"/>
-              <a:t>procédures pour le calcule d’indices boursier</a:t>
+              <a:rPr lang="fr-FR" dirty="0"/>
+              <a:t>2 - Création de procédures pour le calcule d’indices boursier</a:t>
+            </a:r>
+          </a:p>
+        </p:txBody>
+      </p:sp>
+      <p:sp>
+        <p:nvSpPr>
+          <p:cNvPr id="3" name="Espace réservé du contenu 2"/>
+          <p:cNvSpPr>
+            <a:spLocks noGrp="1"/>
+          </p:cNvSpPr>
+          <p:nvPr>
+            <p:ph idx="1"/>
+          </p:nvPr>
+        </p:nvSpPr>
+        <p:spPr/>
+        <p:txBody>
+          <a:bodyPr>
+            <a:normAutofit fontScale="85000" lnSpcReduction="20000"/>
+          </a:bodyPr>
+          <a:lstStyle/>
+          <a:p>
+            <a:r>
+              <a:rPr lang="fr-FR" dirty="0">
+                <a:hlinkClick r:id="rId2"/>
+              </a:rPr>
+              <a:t>http://gouthamanbalaraman.com/blog/calculating-stock-beta.html</a:t>
             </a:r>
             <a:endParaRPr lang="fr-FR" dirty="0"/>
           </a:p>
-        </p:txBody>
-      </p:sp>
-      <p:sp>
-        <p:nvSpPr>
-          <p:cNvPr id="3" name="Espace réservé du contenu 2"/>
-          <p:cNvSpPr>
-            <a:spLocks noGrp="1"/>
-          </p:cNvSpPr>
-          <p:nvPr>
-            <p:ph idx="1"/>
-          </p:nvPr>
-        </p:nvSpPr>
-        <p:spPr/>
-        <p:txBody>
-          <a:bodyPr>
-            <a:normAutofit lnSpcReduction="10000"/>
-          </a:bodyPr>
-          <a:lstStyle/>
-          <a:p>
-            <a:r>
-              <a:rPr lang="fr-FR" dirty="0"/>
-              <a:t>http://</a:t>
-            </a:r>
+          <a:p>
+            <a:r>
+              <a:rPr lang="fr-FR" dirty="0">
+                <a:hlinkClick r:id="rId3"/>
+              </a:rPr>
+              <a:t>https://www.quantstart.com/articles/Sharpe-Ratio-for-Algorithmic-Trading-Performance-Measurement</a:t>
+            </a:r>
+            <a:endParaRPr lang="fr-FR" dirty="0"/>
+          </a:p>
+          <a:p>
+            <a:r>
+              <a:rPr lang="fr-FR" dirty="0"/>
+              <a:t>Input</a:t>
+            </a:r>
+          </a:p>
+          <a:p>
+            <a:pPr lvl="1"/>
             <a:r>
               <a:rPr lang="fr-FR" dirty="0" err="1"/>
-              <a:t>gouthamanbalaraman.com</a:t>
-            </a:r>
-            <a:r>
-              <a:rPr lang="fr-FR" dirty="0"/>
-              <a:t>/blog/</a:t>
-            </a:r>
+              <a:t>Ticker</a:t>
+            </a:r>
+            <a:endParaRPr lang="fr-FR" dirty="0"/>
+          </a:p>
+          <a:p>
+            <a:pPr lvl="1"/>
+            <a:r>
+              <a:rPr lang="fr-FR" dirty="0"/>
+              <a:t>Période considéré</a:t>
+            </a:r>
+          </a:p>
+          <a:p>
+            <a:r>
+              <a:rPr lang="fr-FR" dirty="0"/>
+              <a:t>Output</a:t>
+            </a:r>
+          </a:p>
+          <a:p>
+            <a:pPr lvl="1"/>
             <a:r>
               <a:rPr lang="fr-FR" dirty="0" err="1"/>
-              <a:t>calculating</a:t>
-            </a:r>
-            <a:r>
-              <a:rPr lang="fr-FR" dirty="0"/>
-              <a:t>-</a:t>
-            </a:r>
-            <a:r>
-              <a:rPr lang="fr-FR" dirty="0" err="1"/>
-              <a:t>stock-beta.html</a:t>
+              <a:t>Momentum</a:t>
             </a:r>
             <a:endParaRPr lang="fr-FR" dirty="0"/>
           </a:p>
           <a:p>
-            <a:r>
-              <a:rPr lang="fr-FR" dirty="0" smtClean="0"/>
-              <a:t>Input</a:t>
-            </a:r>
-          </a:p>
-          <a:p>
             <a:pPr lvl="1"/>
             <a:r>
-              <a:rPr lang="fr-FR" dirty="0" err="1" smtClean="0"/>
-              <a:t>Ticker</a:t>
-            </a:r>
-            <a:endParaRPr lang="fr-FR" dirty="0" smtClean="0"/>
+              <a:rPr lang="fr-FR" dirty="0"/>
+              <a:t>Alpha</a:t>
+            </a:r>
           </a:p>
           <a:p>
             <a:pPr lvl="1"/>
             <a:r>
-              <a:rPr lang="fr-FR" dirty="0" smtClean="0"/>
-              <a:t>Période considéré</a:t>
-            </a:r>
-          </a:p>
-          <a:p>
-            <a:r>
-              <a:rPr lang="fr-FR" dirty="0" smtClean="0"/>
-              <a:t>Output</a:t>
+              <a:rPr lang="fr-FR" dirty="0"/>
+              <a:t>Beta</a:t>
             </a:r>
           </a:p>
           <a:p>
             <a:pPr lvl="1"/>
             <a:r>
-              <a:rPr lang="fr-FR" dirty="0" err="1" smtClean="0"/>
-              <a:t>Momentum</a:t>
-            </a:r>
-            <a:endParaRPr lang="fr-FR" dirty="0" smtClean="0"/>
+              <a:rPr lang="fr-FR" dirty="0"/>
+              <a:t>Sharpe Ratio</a:t>
+            </a:r>
           </a:p>
           <a:p>
             <a:pPr lvl="1"/>
             <a:r>
-              <a:rPr lang="fr-FR" dirty="0" smtClean="0"/>
-              <a:t>Alpha</a:t>
+              <a:rPr lang="fr-FR" dirty="0"/>
+              <a:t>Information Ratio</a:t>
             </a:r>
           </a:p>
           <a:p>
             <a:pPr lvl="1"/>
             <a:r>
-              <a:rPr lang="fr-FR" dirty="0" smtClean="0"/>
-              <a:t>Beta</a:t>
-            </a:r>
-          </a:p>
-          <a:p>
-            <a:pPr lvl="1"/>
-            <a:r>
-              <a:rPr lang="fr-FR" dirty="0"/>
-              <a:t>Sharpe </a:t>
-            </a:r>
-            <a:r>
-              <a:rPr lang="fr-FR" dirty="0" smtClean="0"/>
-              <a:t>Ratio</a:t>
-            </a:r>
-          </a:p>
-          <a:p>
-            <a:pPr lvl="1"/>
-            <a:r>
-              <a:rPr lang="fr-FR" dirty="0"/>
-              <a:t>Information Ratio</a:t>
-            </a:r>
-            <a:endParaRPr lang="fr-FR" dirty="0" smtClean="0"/>
-          </a:p>
-          <a:p>
-            <a:pPr lvl="1"/>
-            <a:r>
-              <a:rPr lang="fr-FR" dirty="0" smtClean="0"/>
+              <a:rPr lang="fr-FR" dirty="0"/>
               <a:t>Return</a:t>
             </a:r>
-            <a:endParaRPr lang="fr-FR" dirty="0"/>
           </a:p>
         </p:txBody>
       </p:sp>
@@ -4201,13 +4102,6 @@
   <p:clrMapOvr>
     <a:masterClrMapping/>
   </p:clrMapOvr>
-  <p:timing>
-    <p:tnLst>
-      <p:par>
-        <p:cTn id="1" dur="indefinite" restart="never" nodeType="tmRoot"/>
-      </p:par>
-    </p:tnLst>
-  </p:timing>
 </p:sld>
 </file>
 
@@ -4244,18 +4138,9 @@
           <a:lstStyle/>
           <a:p>
             <a:r>
-              <a:rPr lang="fr-FR" dirty="0" smtClean="0"/>
-              <a:t>3 - </a:t>
-            </a:r>
-            <a:r>
-              <a:rPr lang="fr-FR" dirty="0"/>
-              <a:t>Création de </a:t>
-            </a:r>
-            <a:r>
-              <a:rPr lang="fr-FR" dirty="0" smtClean="0"/>
-              <a:t>procédures de génération automatique d’ordres d’achats </a:t>
-            </a:r>
-            <a:endParaRPr lang="fr-FR" dirty="0"/>
+              <a:rPr lang="fr-FR" dirty="0"/>
+              <a:t>3 - Création de procédures de génération automatique d’ordres d’achats </a:t>
+            </a:r>
           </a:p>
         </p:txBody>
       </p:sp>
@@ -4275,101 +4160,93 @@
           <a:lstStyle/>
           <a:p>
             <a:r>
-              <a:rPr lang="fr-FR" dirty="0" smtClean="0"/>
+              <a:rPr lang="fr-FR" dirty="0"/>
               <a:t>Basé sur les </a:t>
             </a:r>
             <a:r>
               <a:rPr lang="fr-FR" u="sng" dirty="0">
                 <a:hlinkClick r:id="rId2"/>
               </a:rPr>
-              <a:t>Bandes de </a:t>
-            </a:r>
-            <a:r>
-              <a:rPr lang="fr-FR" u="sng" dirty="0" smtClean="0">
-                <a:hlinkClick r:id="rId2"/>
-              </a:rPr>
-              <a:t>Bollinger</a:t>
-            </a:r>
-            <a:r>
-              <a:rPr lang="fr-FR" u="sng" dirty="0" smtClean="0"/>
+              <a:t>Bandes de Bollinger</a:t>
+            </a:r>
+            <a:r>
+              <a:rPr lang="fr-FR" u="sng" dirty="0"/>
               <a:t>:</a:t>
             </a:r>
           </a:p>
           <a:p>
             <a:pPr lvl="1"/>
             <a:r>
-              <a:rPr lang="fr-FR" dirty="0" smtClean="0"/>
+              <a:rPr lang="fr-FR" dirty="0"/>
               <a:t>Créer des ordres d’achats</a:t>
             </a:r>
           </a:p>
           <a:p>
             <a:pPr lvl="1"/>
             <a:r>
-              <a:rPr lang="fr-FR" dirty="0" smtClean="0"/>
+              <a:rPr lang="fr-FR" dirty="0"/>
               <a:t>Simuler les résultats avec les procédures définis précédemment </a:t>
             </a:r>
-            <a:endParaRPr lang="fr-FR" dirty="0"/>
-          </a:p>
-          <a:p>
-            <a:r>
-              <a:rPr lang="fr-FR" dirty="0" smtClean="0"/>
+          </a:p>
+          <a:p>
+            <a:r>
+              <a:rPr lang="fr-FR" dirty="0"/>
               <a:t>Inputs:</a:t>
             </a:r>
           </a:p>
           <a:p>
             <a:pPr lvl="1"/>
             <a:r>
-              <a:rPr lang="fr-FR" dirty="0" smtClean="0"/>
+              <a:rPr lang="fr-FR" dirty="0"/>
               <a:t>Liste des actions considérées</a:t>
             </a:r>
           </a:p>
           <a:p>
             <a:pPr lvl="1"/>
             <a:r>
-              <a:rPr lang="fr-FR" dirty="0" smtClean="0"/>
+              <a:rPr lang="fr-FR" dirty="0"/>
               <a:t>Période considéré </a:t>
             </a:r>
           </a:p>
           <a:p>
             <a:r>
-              <a:rPr lang="fr-FR" dirty="0" smtClean="0"/>
+              <a:rPr lang="fr-FR" dirty="0"/>
               <a:t>Outputs: </a:t>
             </a:r>
           </a:p>
           <a:p>
             <a:pPr lvl="1"/>
             <a:r>
-              <a:rPr lang="fr-FR" dirty="0" smtClean="0"/>
+              <a:rPr lang="fr-FR" dirty="0"/>
               <a:t>ordres d’achats</a:t>
             </a:r>
           </a:p>
           <a:p>
             <a:pPr lvl="2"/>
             <a:r>
-              <a:rPr lang="fr-FR" dirty="0" err="1" smtClean="0"/>
+              <a:rPr lang="fr-FR" dirty="0" err="1"/>
               <a:t>Ticker</a:t>
             </a:r>
             <a:r>
-              <a:rPr lang="fr-FR" dirty="0" smtClean="0"/>
+              <a:rPr lang="fr-FR" dirty="0"/>
               <a:t>, date, volume, (</a:t>
             </a:r>
             <a:r>
-              <a:rPr lang="fr-FR" dirty="0" err="1" smtClean="0"/>
+              <a:rPr lang="fr-FR" dirty="0" err="1"/>
               <a:t>Buy</a:t>
             </a:r>
             <a:r>
-              <a:rPr lang="fr-FR" dirty="0" smtClean="0"/>
+              <a:rPr lang="fr-FR" dirty="0"/>
               <a:t>, </a:t>
             </a:r>
             <a:r>
-              <a:rPr lang="fr-FR" dirty="0" err="1" smtClean="0"/>
+              <a:rPr lang="fr-FR" dirty="0" err="1"/>
               <a:t>Sell</a:t>
             </a:r>
             <a:r>
-              <a:rPr lang="fr-FR" dirty="0" smtClean="0"/>
+              <a:rPr lang="fr-FR" dirty="0"/>
               <a:t>, Short)</a:t>
             </a:r>
-            <a:endParaRPr lang="fr-FR" dirty="0"/>
           </a:p>
         </p:txBody>
       </p:sp>
@@ -4383,13 +4260,6 @@
   <p:clrMapOvr>
     <a:masterClrMapping/>
   </p:clrMapOvr>
-  <p:timing>
-    <p:tnLst>
-      <p:par>
-        <p:cTn id="1" dur="indefinite" restart="never" nodeType="tmRoot"/>
-      </p:par>
-    </p:tnLst>
-  </p:timing>
 </p:sld>
 </file>
 
@@ -4426,12 +4296,8 @@
           <a:lstStyle/>
           <a:p>
             <a:r>
-              <a:rPr lang="fr-FR" dirty="0" smtClean="0"/>
-              <a:t>4 </a:t>
-            </a:r>
-            <a:r>
-              <a:rPr lang="fr-FR" dirty="0"/>
-              <a:t>- Création de procédures de génération automatique d’ordres d’achats </a:t>
+              <a:rPr lang="fr-FR" dirty="0"/>
+              <a:t>4 - Création de procédures de génération automatique d’ordres d’achats </a:t>
             </a:r>
           </a:p>
         </p:txBody>
@@ -4452,64 +4318,64 @@
           <a:lstStyle/>
           <a:p>
             <a:r>
-              <a:rPr lang="fr-FR" dirty="0" smtClean="0"/>
+              <a:rPr lang="fr-FR" dirty="0"/>
               <a:t>Basé sur un historique d’événements créer des ordres d’achats</a:t>
             </a:r>
           </a:p>
           <a:p>
             <a:pPr lvl="1"/>
             <a:r>
-              <a:rPr lang="fr-FR" dirty="0" smtClean="0"/>
+              <a:rPr lang="fr-FR" dirty="0"/>
               <a:t>Exemple: baisse de 2% en une journée</a:t>
             </a:r>
           </a:p>
           <a:p>
             <a:pPr lvl="1"/>
             <a:r>
-              <a:rPr lang="fr-FR" dirty="0" smtClean="0"/>
+              <a:rPr lang="fr-FR" dirty="0"/>
               <a:t>Simuler le résultat </a:t>
             </a:r>
           </a:p>
           <a:p>
             <a:r>
-              <a:rPr lang="fr-FR" dirty="0" smtClean="0"/>
+              <a:rPr lang="fr-FR" dirty="0"/>
               <a:t>Inputs:</a:t>
             </a:r>
           </a:p>
           <a:p>
             <a:pPr lvl="1"/>
             <a:r>
-              <a:rPr lang="fr-FR" dirty="0" smtClean="0"/>
+              <a:rPr lang="fr-FR" dirty="0"/>
               <a:t>Période considéré </a:t>
             </a:r>
           </a:p>
           <a:p>
             <a:pPr lvl="1"/>
-            <a:r>
-              <a:rPr lang="fr-FR" dirty="0" err="1" smtClean="0"/>
-              <a:t>Ticker</a:t>
-            </a:r>
-            <a:endParaRPr lang="fr-FR" dirty="0" smtClean="0"/>
-          </a:p>
-          <a:p>
-            <a:r>
-              <a:rPr lang="fr-FR" dirty="0" smtClean="0"/>
-              <a:t>Outputs:</a:t>
-            </a:r>
-          </a:p>
-          <a:p>
-            <a:pPr lvl="1"/>
-            <a:r>
-              <a:rPr lang="fr-FR" dirty="0" smtClean="0"/>
-              <a:t>Ordres d’achats</a:t>
-            </a:r>
-          </a:p>
-          <a:p>
-            <a:pPr lvl="2"/>
             <a:r>
               <a:rPr lang="fr-FR" dirty="0" err="1"/>
               <a:t>Ticker</a:t>
             </a:r>
+            <a:endParaRPr lang="fr-FR" dirty="0"/>
+          </a:p>
+          <a:p>
+            <a:r>
+              <a:rPr lang="fr-FR" dirty="0"/>
+              <a:t>Outputs:</a:t>
+            </a:r>
+          </a:p>
+          <a:p>
+            <a:pPr lvl="1"/>
+            <a:r>
+              <a:rPr lang="fr-FR" dirty="0"/>
+              <a:t>Ordres d’achats</a:t>
+            </a:r>
+          </a:p>
+          <a:p>
+            <a:pPr lvl="2"/>
+            <a:r>
+              <a:rPr lang="fr-FR" dirty="0" err="1"/>
+              <a:t>Ticker</a:t>
+            </a:r>
             <a:r>
               <a:rPr lang="fr-FR" dirty="0"/>
               <a:t>, date, volume, (</a:t>
@@ -4528,13 +4394,8 @@
             </a:r>
             <a:r>
               <a:rPr lang="fr-FR" dirty="0"/>
-              <a:t>, Short</a:t>
-            </a:r>
-            <a:r>
-              <a:rPr lang="fr-FR" dirty="0" smtClean="0"/>
-              <a:t>)</a:t>
-            </a:r>
-            <a:endParaRPr lang="fr-FR" dirty="0"/>
+              <a:t>, Short)</a:t>
+            </a:r>
           </a:p>
         </p:txBody>
       </p:sp>
@@ -4548,13 +4409,6 @@
   <p:clrMapOvr>
     <a:masterClrMapping/>
   </p:clrMapOvr>
-  <p:timing>
-    <p:tnLst>
-      <p:par>
-        <p:cTn id="1" dur="indefinite" restart="never" nodeType="tmRoot"/>
-      </p:par>
-    </p:tnLst>
-  </p:timing>
 </p:sld>
 </file>
 
@@ -4591,10 +4445,9 @@
           <a:lstStyle/>
           <a:p>
             <a:r>
-              <a:rPr lang="fr-FR" dirty="0" smtClean="0"/>
+              <a:rPr lang="fr-FR" dirty="0"/>
               <a:t>Notes</a:t>
             </a:r>
-            <a:endParaRPr lang="fr-FR" dirty="0"/>
           </a:p>
         </p:txBody>
       </p:sp>
@@ -4614,12 +4467,8 @@
           <a:lstStyle/>
           <a:p>
             <a:r>
-              <a:rPr lang="fr-FR" dirty="0" smtClean="0"/>
-              <a:t>https</a:t>
-            </a:r>
-            <a:r>
-              <a:rPr lang="fr-FR" dirty="0"/>
-              <a:t>://</a:t>
+              <a:rPr lang="fr-FR" dirty="0"/>
+              <a:t>https://</a:t>
             </a:r>
             <a:r>
               <a:rPr lang="fr-FR" dirty="0" err="1"/>
@@ -4650,13 +4499,6 @@
   <p:clrMapOvr>
     <a:masterClrMapping/>
   </p:clrMapOvr>
-  <p:timing>
-    <p:tnLst>
-      <p:par>
-        <p:cTn id="1" dur="indefinite" restart="never" nodeType="tmRoot"/>
-      </p:par>
-    </p:tnLst>
-  </p:timing>
 </p:sld>
 </file>
 
